--- a/javascript.pptx
+++ b/javascript.pptx
@@ -137,7 +137,7 @@
   </p:defaultTextStyle>
   <p:extLst>
     <p:ext uri="{EFAFB233-063F-42B5-8137-9DF3F51BA10A}">
-      <p15:sldGuideLst xmlns:p15="http://schemas.microsoft.com/office/powerpoint/2012/main" xmlns="">
+      <p15:sldGuideLst xmlns:p15="http://schemas.microsoft.com/office/powerpoint/2012/main">
         <p15:guide id="1" orient="horz" pos="2160">
           <p15:clr>
             <a:srgbClr val="A4A3A4"/>
@@ -4775,7 +4775,7 @@
         <p:spPr>
           <a:xfrm>
             <a:off x="323528" y="1556792"/>
-            <a:ext cx="8424936" cy="1938992"/>
+            <a:ext cx="8424936" cy="2492990"/>
           </a:xfrm>
           <a:prstGeom prst="rect">
             <a:avLst/>
@@ -4816,17 +4816,26 @@
               <a:t>: </a:t>
             </a:r>
             <a:r>
-              <a:rPr lang="fr-FR" sz="3600" dirty="0">
+              <a:rPr lang="fr-FR" sz="2400" dirty="0" smtClean="0">
                 <a:hlinkClick r:id="rId7"/>
               </a:rPr>
-              <a:t>https://github.com/montotof123</a:t>
-            </a:r>
-            <a:r>
-              <a:rPr lang="fr-FR" sz="3600" dirty="0" smtClean="0">
+              <a:t>https</a:t>
+            </a:r>
+            <a:r>
+              <a:rPr lang="fr-FR" sz="2400" dirty="0">
                 <a:hlinkClick r:id="rId7"/>
               </a:rPr>
-              <a:t>/</a:t>
-            </a:r>
+              <a:t>://</a:t>
+            </a:r>
+            <a:r>
+              <a:rPr lang="fr-FR" sz="2400" dirty="0" smtClean="0">
+                <a:hlinkClick r:id="rId7"/>
+              </a:rPr>
+              <a:t>github.com/codeRoomMarseille/JavaScript</a:t>
+            </a:r>
+            <a:endParaRPr lang="fr-FR" sz="2400" dirty="0" smtClean="0"/>
+          </a:p>
+          <a:p>
             <a:endParaRPr lang="fr-FR" sz="3600" dirty="0" smtClean="0"/>
           </a:p>
         </p:txBody>

--- a/javascript.pptx
+++ b/javascript.pptx
@@ -335,7 +335,7 @@
           <a:p>
             <a:fld id="{AA309A6D-C09C-4548-B29A-6CF363A7E532}" type="datetimeFigureOut">
               <a:rPr lang="fr-FR" smtClean="0"/>
-              <a:t>05/09/2018</a:t>
+              <a:t>07/09/2018</a:t>
             </a:fld>
             <a:endParaRPr lang="fr-BE"/>
           </a:p>
@@ -500,7 +500,7 @@
           <a:p>
             <a:fld id="{AA309A6D-C09C-4548-B29A-6CF363A7E532}" type="datetimeFigureOut">
               <a:rPr lang="fr-FR" smtClean="0"/>
-              <a:t>05/09/2018</a:t>
+              <a:t>07/09/2018</a:t>
             </a:fld>
             <a:endParaRPr lang="fr-BE"/>
           </a:p>
@@ -675,7 +675,7 @@
           <a:p>
             <a:fld id="{AA309A6D-C09C-4548-B29A-6CF363A7E532}" type="datetimeFigureOut">
               <a:rPr lang="fr-FR" smtClean="0"/>
-              <a:t>05/09/2018</a:t>
+              <a:t>07/09/2018</a:t>
             </a:fld>
             <a:endParaRPr lang="fr-BE"/>
           </a:p>
@@ -840,7 +840,7 @@
           <a:p>
             <a:fld id="{AA309A6D-C09C-4548-B29A-6CF363A7E532}" type="datetimeFigureOut">
               <a:rPr lang="fr-FR" smtClean="0"/>
-              <a:t>05/09/2018</a:t>
+              <a:t>07/09/2018</a:t>
             </a:fld>
             <a:endParaRPr lang="fr-BE"/>
           </a:p>
@@ -1081,7 +1081,7 @@
           <a:p>
             <a:fld id="{AA309A6D-C09C-4548-B29A-6CF363A7E532}" type="datetimeFigureOut">
               <a:rPr lang="fr-FR" smtClean="0"/>
-              <a:t>05/09/2018</a:t>
+              <a:t>07/09/2018</a:t>
             </a:fld>
             <a:endParaRPr lang="fr-BE"/>
           </a:p>
@@ -1364,7 +1364,7 @@
           <a:p>
             <a:fld id="{AA309A6D-C09C-4548-B29A-6CF363A7E532}" type="datetimeFigureOut">
               <a:rPr lang="fr-FR" smtClean="0"/>
-              <a:t>05/09/2018</a:t>
+              <a:t>07/09/2018</a:t>
             </a:fld>
             <a:endParaRPr lang="fr-BE"/>
           </a:p>
@@ -1781,7 +1781,7 @@
           <a:p>
             <a:fld id="{AA309A6D-C09C-4548-B29A-6CF363A7E532}" type="datetimeFigureOut">
               <a:rPr lang="fr-FR" smtClean="0"/>
-              <a:t>05/09/2018</a:t>
+              <a:t>07/09/2018</a:t>
             </a:fld>
             <a:endParaRPr lang="fr-BE"/>
           </a:p>
@@ -1894,7 +1894,7 @@
           <a:p>
             <a:fld id="{AA309A6D-C09C-4548-B29A-6CF363A7E532}" type="datetimeFigureOut">
               <a:rPr lang="fr-FR" smtClean="0"/>
-              <a:t>05/09/2018</a:t>
+              <a:t>07/09/2018</a:t>
             </a:fld>
             <a:endParaRPr lang="fr-BE"/>
           </a:p>
@@ -1984,7 +1984,7 @@
           <a:p>
             <a:fld id="{AA309A6D-C09C-4548-B29A-6CF363A7E532}" type="datetimeFigureOut">
               <a:rPr lang="fr-FR" smtClean="0"/>
-              <a:t>05/09/2018</a:t>
+              <a:t>07/09/2018</a:t>
             </a:fld>
             <a:endParaRPr lang="fr-BE"/>
           </a:p>
@@ -2256,7 +2256,7 @@
           <a:p>
             <a:fld id="{AA309A6D-C09C-4548-B29A-6CF363A7E532}" type="datetimeFigureOut">
               <a:rPr lang="fr-FR" smtClean="0"/>
-              <a:t>05/09/2018</a:t>
+              <a:t>07/09/2018</a:t>
             </a:fld>
             <a:endParaRPr lang="fr-BE"/>
           </a:p>
@@ -2504,7 +2504,7 @@
           <a:p>
             <a:fld id="{AA309A6D-C09C-4548-B29A-6CF363A7E532}" type="datetimeFigureOut">
               <a:rPr lang="fr-FR" smtClean="0"/>
-              <a:t>05/09/2018</a:t>
+              <a:t>07/09/2018</a:t>
             </a:fld>
             <a:endParaRPr lang="fr-BE"/>
           </a:p>
@@ -2712,7 +2712,7 @@
           <a:p>
             <a:fld id="{AA309A6D-C09C-4548-B29A-6CF363A7E532}" type="datetimeFigureOut">
               <a:rPr lang="fr-FR" smtClean="0"/>
-              <a:t>05/09/2018</a:t>
+              <a:t>07/09/2018</a:t>
             </a:fld>
             <a:endParaRPr lang="fr-BE"/>
           </a:p>
@@ -3420,7 +3420,7 @@
             <a:pPr algn="just"/>
             <a:r>
               <a:rPr lang="fr-FR" dirty="0" smtClean="0"/>
-              <a:t>Prévoir des id et/ou des class pour les élément qui devront être gérés ou modifiés par le JavaScript</a:t>
+              <a:t>Prévoir des id et/ou des class pour les éléments qui devront être gérés ou modifiés par le JavaScript</a:t>
             </a:r>
             <a:endParaRPr lang="fr-FR" dirty="0"/>
           </a:p>
@@ -3524,7 +3524,7 @@
             <a:pPr algn="just"/>
             <a:r>
               <a:rPr lang="fr-FR" dirty="0" smtClean="0"/>
-              <a:t>Les noms des objets, variables, fonction etc… ne doivent pas contenir de caractères spéciaux ou de caractères accentués. Il doivent commencer par une lettre et peuvent ensuite contenir des chiffres, des lettres ou le caractère souligné (également appelé </a:t>
+              <a:t>Les noms des objets, variables, fonction etc… ne devraient pas contenir de caractères spéciaux ou de caractères accentués. Ils devraient commencer par une lettre et peuvent ensuite contenir des chiffres, des lettres ou le caractère souligné (également appelé </a:t>
             </a:r>
             <a:r>
               <a:rPr lang="fr-FR" dirty="0" err="1" smtClean="0"/>
@@ -4307,7 +4307,7 @@
             </a:r>
             <a:r>
               <a:rPr lang="fr-FR" dirty="0" smtClean="0"/>
-              <a:t>, for, for on, for in, </a:t>
+              <a:t>, for, for of, for in, </a:t>
             </a:r>
             <a:r>
               <a:rPr lang="fr-FR" dirty="0" err="1" smtClean="0"/>
@@ -5167,7 +5167,7 @@
                   <a:srgbClr val="FFC000"/>
                 </a:solidFill>
               </a:rPr>
-              <a:t>Quelques objets utiles</a:t>
+              <a:t>Quelques objets internes utiles</a:t>
             </a:r>
             <a:endParaRPr lang="fr-FR" dirty="0"/>
           </a:p>
@@ -5268,16 +5268,10 @@
               <a:buNone/>
             </a:pPr>
             <a:r>
-              <a:rPr lang="fr-FR" dirty="0">
-                <a:hlinkClick r:id="rId3"/>
-              </a:rPr>
-              <a:t>https://</a:t>
-            </a:r>
-            <a:r>
               <a:rPr lang="fr-FR" dirty="0" smtClean="0">
                 <a:hlinkClick r:id="rId3"/>
               </a:rPr>
-              <a:t>www.w3schools.com/jsref/obj_navigator.asp</a:t>
+              <a:t>https://www.w3schools.com/jsref/obj_navigator.asp</a:t>
             </a:r>
             <a:endParaRPr lang="fr-FR" dirty="0" smtClean="0"/>
           </a:p>
@@ -5544,7 +5538,7 @@
         <p:spPr/>
         <p:txBody>
           <a:bodyPr>
-            <a:normAutofit fontScale="92500" lnSpcReduction="10000"/>
+            <a:normAutofit/>
           </a:bodyPr>
           <a:lstStyle/>
           <a:p>
@@ -5575,26 +5569,6 @@
               <a:rPr lang="fr-FR" dirty="0" smtClean="0"/>
               <a:t>: dom.html</a:t>
             </a:r>
-          </a:p>
-          <a:p>
-            <a:pPr algn="just"/>
-            <a:r>
-              <a:rPr lang="fr-FR" dirty="0" smtClean="0"/>
-              <a:t>PS: l’instruction </a:t>
-            </a:r>
-            <a:r>
-              <a:rPr lang="fr-FR" b="1" dirty="0" err="1" smtClean="0"/>
-              <a:t>querySelectorAll</a:t>
-            </a:r>
-            <a:r>
-              <a:rPr lang="fr-FR" b="1" dirty="0" smtClean="0"/>
-              <a:t> </a:t>
-            </a:r>
-            <a:r>
-              <a:rPr lang="fr-FR" dirty="0" smtClean="0"/>
-              <a:t>est une instruction très souple qui permet de sélectionner de manière très fine certains éléments.</a:t>
-            </a:r>
-            <a:endParaRPr lang="fr-FR" dirty="0"/>
           </a:p>
         </p:txBody>
       </p:sp>
@@ -5675,7 +5649,7 @@
         <p:spPr/>
         <p:txBody>
           <a:bodyPr>
-            <a:normAutofit lnSpcReduction="10000"/>
+            <a:normAutofit fontScale="85000" lnSpcReduction="10000"/>
           </a:bodyPr>
           <a:lstStyle/>
           <a:p>
@@ -5717,6 +5691,28 @@
               <a:rPr lang="fr-FR" dirty="0" smtClean="0"/>
               <a:t>css.html</a:t>
             </a:r>
+          </a:p>
+          <a:p>
+            <a:pPr algn="just"/>
+            <a:r>
+              <a:rPr lang="fr-FR" dirty="0"/>
+              <a:t>PS: l’instruction </a:t>
+            </a:r>
+            <a:r>
+              <a:rPr lang="fr-FR" b="1" dirty="0" err="1"/>
+              <a:t>querySelectorAll</a:t>
+            </a:r>
+            <a:r>
+              <a:rPr lang="fr-FR" b="1" dirty="0"/>
+              <a:t> </a:t>
+            </a:r>
+            <a:r>
+              <a:rPr lang="fr-FR" dirty="0"/>
+              <a:t>est une instruction très souple qui permet de sélectionner de manière très fine certains éléments.</a:t>
+            </a:r>
+          </a:p>
+          <a:p>
+            <a:pPr algn="just"/>
             <a:endParaRPr lang="fr-FR" dirty="0"/>
           </a:p>
           <a:p>
@@ -5737,6 +5733,13 @@
   <p:clrMapOvr>
     <a:masterClrMapping/>
   </p:clrMapOvr>
+  <p:timing>
+    <p:tnLst>
+      <p:par>
+        <p:cTn id="1" dur="indefinite" restart="never" nodeType="tmRoot"/>
+      </p:par>
+    </p:tnLst>
+  </p:timing>
 </p:sld>
 </file>
 
@@ -5850,6 +5853,13 @@
   <p:clrMapOvr>
     <a:masterClrMapping/>
   </p:clrMapOvr>
+  <p:timing>
+    <p:tnLst>
+      <p:par>
+        <p:cTn id="1" dur="indefinite" restart="never" nodeType="tmRoot"/>
+      </p:par>
+    </p:tnLst>
+  </p:timing>
 </p:sld>
 </file>
 
@@ -5910,7 +5920,7 @@
         <p:spPr/>
         <p:txBody>
           <a:bodyPr>
-            <a:normAutofit lnSpcReduction="10000"/>
+            <a:normAutofit fontScale="92500" lnSpcReduction="10000"/>
           </a:bodyPr>
           <a:lstStyle/>
           <a:p>
@@ -5919,6 +5929,18 @@
               <a:rPr lang="fr-FR" dirty="0" smtClean="0"/>
               <a:t>Les cookies permettent de mémoriser quelques informations sur les données saisies dans des formulaires. Il simplifie l’utilisation des sites en évitant une ressaisie des informations. Cette mémorisation d’informations qui peuvent être sensible (n° de carte de crédit par exemple) est un risque pour la sécurité.</a:t>
             </a:r>
+          </a:p>
+          <a:p>
+            <a:pPr algn="just"/>
+            <a:r>
+              <a:rPr lang="fr-FR" dirty="0" smtClean="0"/>
+              <a:t>L’utilisation des cookies peut </a:t>
+            </a:r>
+            <a:r>
+              <a:rPr lang="fr-FR" smtClean="0"/>
+              <a:t>être désactivée dans les navigateurs.</a:t>
+            </a:r>
+            <a:endParaRPr lang="fr-FR" dirty="0" smtClean="0"/>
           </a:p>
           <a:p>
             <a:r>
@@ -5941,6 +5963,13 @@
   <p:clrMapOvr>
     <a:masterClrMapping/>
   </p:clrMapOvr>
+  <p:timing>
+    <p:tnLst>
+      <p:par>
+        <p:cTn id="1" dur="indefinite" restart="never" nodeType="tmRoot"/>
+      </p:par>
+    </p:tnLst>
+  </p:timing>
 </p:sld>
 </file>
 
@@ -6000,13 +6029,46 @@
         </p:nvSpPr>
         <p:spPr/>
         <p:txBody>
-          <a:bodyPr/>
+          <a:bodyPr>
+            <a:normAutofit fontScale="92500" lnSpcReduction="20000"/>
+          </a:bodyPr>
           <a:lstStyle/>
           <a:p>
             <a:pPr algn="just"/>
             <a:r>
               <a:rPr lang="fr-FR" dirty="0" smtClean="0"/>
-              <a:t>Pour des raisons de sécurité, JavaScript n’a pas accès au stockage de l’ordinateur sur lequel il s’exécute. Toutefois, il est possible de stocker des informations de manière sécurisé. Ces informations ont un volume maximum de 5 Mo et ne sont lisibles que par le navigateur sur la machine qui les a écrites.</a:t>
+              <a:t>Pour des raisons de sécurité, JavaScript n’a pas accès </a:t>
+            </a:r>
+            <a:r>
+              <a:rPr lang="fr-FR" dirty="0" smtClean="0"/>
+              <a:t>aux fichiers de </a:t>
+            </a:r>
+            <a:r>
+              <a:rPr lang="fr-FR" dirty="0" smtClean="0"/>
+              <a:t>l’ordinateur sur lequel il s’exécute. Toutefois, il est possible de stocker des informations de manière sécurisé. Ces informations ont un volume maximum de 5 Mo et ne sont lisibles que par le navigateur sur la machine qui les a écrites. </a:t>
+            </a:r>
+          </a:p>
+          <a:p>
+            <a:pPr algn="just"/>
+            <a:r>
+              <a:rPr lang="fr-FR" dirty="0" smtClean="0"/>
+              <a:t>Il y a deux types de stockage, le </a:t>
+            </a:r>
+            <a:r>
+              <a:rPr lang="fr-FR" dirty="0" err="1" smtClean="0"/>
+              <a:t>localStorage</a:t>
+            </a:r>
+            <a:r>
+              <a:rPr lang="fr-FR" dirty="0" smtClean="0"/>
+              <a:t> qui n’a pas de date d’expiration et le </a:t>
+            </a:r>
+            <a:r>
+              <a:rPr lang="fr-FR" dirty="0" err="1" smtClean="0"/>
+              <a:t>sessionStorage</a:t>
+            </a:r>
+            <a:r>
+              <a:rPr lang="fr-FR" dirty="0" smtClean="0"/>
+              <a:t> qui est détruit à la fin de la session.</a:t>
             </a:r>
           </a:p>
           <a:p>
@@ -6030,6 +6092,13 @@
   <p:clrMapOvr>
     <a:masterClrMapping/>
   </p:clrMapOvr>
+  <p:timing>
+    <p:tnLst>
+      <p:par>
+        <p:cTn id="1" dur="indefinite" restart="never" nodeType="tmRoot"/>
+      </p:par>
+    </p:tnLst>
+  </p:timing>
 </p:sld>
 </file>
 
@@ -6097,7 +6166,9 @@
         </p:nvSpPr>
         <p:spPr/>
         <p:txBody>
-          <a:bodyPr/>
+          <a:bodyPr>
+            <a:normAutofit lnSpcReduction="10000"/>
+          </a:bodyPr>
           <a:lstStyle/>
           <a:p>
             <a:pPr algn="just"/>
@@ -6124,9 +6195,31 @@
           <a:p>
             <a:r>
               <a:rPr lang="fr-FR" dirty="0" smtClean="0"/>
-              <a:t>Script: canvas.html</a:t>
-            </a:r>
-            <a:endParaRPr lang="fr-FR" dirty="0"/>
+              <a:t>Exercice: faite un dessin… (vous pouvez vous inspirer de w3school ou de </a:t>
+            </a:r>
+            <a:r>
+              <a:rPr lang="fr-FR" dirty="0" err="1" smtClean="0"/>
+              <a:t>openclassroom</a:t>
+            </a:r>
+            <a:r>
+              <a:rPr lang="fr-FR" dirty="0" smtClean="0"/>
+              <a:t>)</a:t>
+            </a:r>
+          </a:p>
+          <a:p>
+            <a:r>
+              <a:rPr lang="fr-FR" dirty="0">
+                <a:hlinkClick r:id="rId2"/>
+              </a:rPr>
+              <a:t>https://</a:t>
+            </a:r>
+            <a:r>
+              <a:rPr lang="fr-FR" dirty="0" smtClean="0">
+                <a:hlinkClick r:id="rId2"/>
+              </a:rPr>
+              <a:t>www.w3schools.com/tags/ref_canvas.asp</a:t>
+            </a:r>
+            <a:endParaRPr lang="fr-FR" dirty="0" smtClean="0"/>
           </a:p>
         </p:txBody>
       </p:sp>
@@ -6140,6 +6233,13 @@
   <p:clrMapOvr>
     <a:masterClrMapping/>
   </p:clrMapOvr>
+  <p:timing>
+    <p:tnLst>
+      <p:par>
+        <p:cTn id="1" dur="indefinite" restart="never" nodeType="tmRoot"/>
+      </p:par>
+    </p:tnLst>
+  </p:timing>
 </p:sld>
 </file>
 
@@ -6467,6 +6567,13 @@
   <p:clrMapOvr>
     <a:masterClrMapping/>
   </p:clrMapOvr>
+  <p:timing>
+    <p:tnLst>
+      <p:par>
+        <p:cTn id="1" dur="indefinite" restart="never" nodeType="tmRoot"/>
+      </p:par>
+    </p:tnLst>
+  </p:timing>
 </p:sld>
 </file>
 
@@ -6576,6 +6683,13 @@
   <p:clrMapOvr>
     <a:masterClrMapping/>
   </p:clrMapOvr>
+  <p:timing>
+    <p:tnLst>
+      <p:par>
+        <p:cTn id="1" dur="indefinite" restart="never" nodeType="tmRoot"/>
+      </p:par>
+    </p:tnLst>
+  </p:timing>
 </p:sld>
 </file>
 
@@ -6703,6 +6817,13 @@
   <p:clrMapOvr>
     <a:masterClrMapping/>
   </p:clrMapOvr>
+  <p:timing>
+    <p:tnLst>
+      <p:par>
+        <p:cTn id="1" dur="indefinite" restart="never" nodeType="tmRoot"/>
+      </p:par>
+    </p:tnLst>
+  </p:timing>
 </p:sld>
 </file>
 
@@ -6951,7 +7072,7 @@
         <p:spPr/>
         <p:txBody>
           <a:bodyPr>
-            <a:normAutofit fontScale="85000" lnSpcReduction="20000"/>
+            <a:normAutofit fontScale="92500" lnSpcReduction="20000"/>
           </a:bodyPr>
           <a:lstStyle/>
           <a:p>
@@ -7005,9 +7126,6 @@
               <a:rPr lang="fr-FR" dirty="0" err="1" smtClean="0"/>
               <a:t>Geany</a:t>
             </a:r>
-            <a:endParaRPr lang="fr-FR" dirty="0" smtClean="0"/>
-          </a:p>
-          <a:p>
             <a:endParaRPr lang="fr-FR" dirty="0" smtClean="0"/>
           </a:p>
           <a:p>
@@ -7659,7 +7777,7 @@
         <p:spPr/>
         <p:txBody>
           <a:bodyPr>
-            <a:normAutofit fontScale="92500"/>
+            <a:normAutofit fontScale="92500" lnSpcReduction="10000"/>
           </a:bodyPr>
           <a:lstStyle/>
           <a:p>
@@ -7673,7 +7791,7 @@
             <a:pPr algn="just"/>
             <a:r>
               <a:rPr lang="fr-FR" dirty="0" smtClean="0"/>
-              <a:t>La désactivation ou l’interdiction de désactiver le JavaScript est souvent faite, suite à une politique de sécurité d’entreprise ou à un choix personnel.</a:t>
+              <a:t>La désactivation ou l’interdiction de désactiver le JavaScript est souvent choisie suite à une politique de sécurité d’entreprise ou à un choix personnel.</a:t>
             </a:r>
           </a:p>
           <a:p>
@@ -7779,7 +7897,7 @@
         <p:spPr/>
         <p:txBody>
           <a:bodyPr>
-            <a:normAutofit fontScale="85000" lnSpcReduction="20000"/>
+            <a:normAutofit/>
           </a:bodyPr>
           <a:lstStyle/>
           <a:p>
@@ -7868,12 +7986,6 @@
               <a:t>, </a:t>
             </a:r>
             <a:endParaRPr lang="fr-FR" dirty="0" smtClean="0"/>
-          </a:p>
-          <a:p>
-            <a:r>
-              <a:rPr lang="fr-FR" dirty="0"/>
-              <a:t>http://raspberrypi.pagesperso-orange.fr/Cours/JavaScript/HelloWorld/helloWorld5.html</a:t>
-            </a:r>
           </a:p>
           <a:p>
             <a:pPr marL="0" indent="0">

--- a/javascript.pptx
+++ b/javascript.pptx
@@ -137,7 +137,7 @@
   </p:defaultTextStyle>
   <p:extLst>
     <p:ext uri="{EFAFB233-063F-42B5-8137-9DF3F51BA10A}">
-      <p15:sldGuideLst xmlns:p15="http://schemas.microsoft.com/office/powerpoint/2012/main">
+      <p15:sldGuideLst xmlns:p15="http://schemas.microsoft.com/office/powerpoint/2012/main" xmlns="">
         <p15:guide id="1" orient="horz" pos="2160">
           <p15:clr>
             <a:srgbClr val="A4A3A4"/>
@@ -335,7 +335,7 @@
           <a:p>
             <a:fld id="{AA309A6D-C09C-4548-B29A-6CF363A7E532}" type="datetimeFigureOut">
               <a:rPr lang="fr-FR" smtClean="0"/>
-              <a:t>07/09/2018</a:t>
+              <a:t>12/09/2018</a:t>
             </a:fld>
             <a:endParaRPr lang="fr-BE"/>
           </a:p>
@@ -500,7 +500,7 @@
           <a:p>
             <a:fld id="{AA309A6D-C09C-4548-B29A-6CF363A7E532}" type="datetimeFigureOut">
               <a:rPr lang="fr-FR" smtClean="0"/>
-              <a:t>07/09/2018</a:t>
+              <a:t>12/09/2018</a:t>
             </a:fld>
             <a:endParaRPr lang="fr-BE"/>
           </a:p>
@@ -675,7 +675,7 @@
           <a:p>
             <a:fld id="{AA309A6D-C09C-4548-B29A-6CF363A7E532}" type="datetimeFigureOut">
               <a:rPr lang="fr-FR" smtClean="0"/>
-              <a:t>07/09/2018</a:t>
+              <a:t>12/09/2018</a:t>
             </a:fld>
             <a:endParaRPr lang="fr-BE"/>
           </a:p>
@@ -840,7 +840,7 @@
           <a:p>
             <a:fld id="{AA309A6D-C09C-4548-B29A-6CF363A7E532}" type="datetimeFigureOut">
               <a:rPr lang="fr-FR" smtClean="0"/>
-              <a:t>07/09/2018</a:t>
+              <a:t>12/09/2018</a:t>
             </a:fld>
             <a:endParaRPr lang="fr-BE"/>
           </a:p>
@@ -1081,7 +1081,7 @@
           <a:p>
             <a:fld id="{AA309A6D-C09C-4548-B29A-6CF363A7E532}" type="datetimeFigureOut">
               <a:rPr lang="fr-FR" smtClean="0"/>
-              <a:t>07/09/2018</a:t>
+              <a:t>12/09/2018</a:t>
             </a:fld>
             <a:endParaRPr lang="fr-BE"/>
           </a:p>
@@ -1364,7 +1364,7 @@
           <a:p>
             <a:fld id="{AA309A6D-C09C-4548-B29A-6CF363A7E532}" type="datetimeFigureOut">
               <a:rPr lang="fr-FR" smtClean="0"/>
-              <a:t>07/09/2018</a:t>
+              <a:t>12/09/2018</a:t>
             </a:fld>
             <a:endParaRPr lang="fr-BE"/>
           </a:p>
@@ -1781,7 +1781,7 @@
           <a:p>
             <a:fld id="{AA309A6D-C09C-4548-B29A-6CF363A7E532}" type="datetimeFigureOut">
               <a:rPr lang="fr-FR" smtClean="0"/>
-              <a:t>07/09/2018</a:t>
+              <a:t>12/09/2018</a:t>
             </a:fld>
             <a:endParaRPr lang="fr-BE"/>
           </a:p>
@@ -1894,7 +1894,7 @@
           <a:p>
             <a:fld id="{AA309A6D-C09C-4548-B29A-6CF363A7E532}" type="datetimeFigureOut">
               <a:rPr lang="fr-FR" smtClean="0"/>
-              <a:t>07/09/2018</a:t>
+              <a:t>12/09/2018</a:t>
             </a:fld>
             <a:endParaRPr lang="fr-BE"/>
           </a:p>
@@ -1984,7 +1984,7 @@
           <a:p>
             <a:fld id="{AA309A6D-C09C-4548-B29A-6CF363A7E532}" type="datetimeFigureOut">
               <a:rPr lang="fr-FR" smtClean="0"/>
-              <a:t>07/09/2018</a:t>
+              <a:t>12/09/2018</a:t>
             </a:fld>
             <a:endParaRPr lang="fr-BE"/>
           </a:p>
@@ -2256,7 +2256,7 @@
           <a:p>
             <a:fld id="{AA309A6D-C09C-4548-B29A-6CF363A7E532}" type="datetimeFigureOut">
               <a:rPr lang="fr-FR" smtClean="0"/>
-              <a:t>07/09/2018</a:t>
+              <a:t>12/09/2018</a:t>
             </a:fld>
             <a:endParaRPr lang="fr-BE"/>
           </a:p>
@@ -2504,7 +2504,7 @@
           <a:p>
             <a:fld id="{AA309A6D-C09C-4548-B29A-6CF363A7E532}" type="datetimeFigureOut">
               <a:rPr lang="fr-FR" smtClean="0"/>
-              <a:t>07/09/2018</a:t>
+              <a:t>12/09/2018</a:t>
             </a:fld>
             <a:endParaRPr lang="fr-BE"/>
           </a:p>
@@ -2712,7 +2712,7 @@
           <a:p>
             <a:fld id="{AA309A6D-C09C-4548-B29A-6CF363A7E532}" type="datetimeFigureOut">
               <a:rPr lang="fr-FR" smtClean="0"/>
-              <a:t>07/09/2018</a:t>
+              <a:t>12/09/2018</a:t>
             </a:fld>
             <a:endParaRPr lang="fr-BE"/>
           </a:p>
@@ -4204,7 +4204,15 @@
             </a:pPr>
             <a:r>
               <a:rPr lang="fr-FR" dirty="0" smtClean="0"/>
-              <a:t>Des éditeurs plus sophistiqué comme Eclipse et Visual Studio Code indiquent les erreurs de syntaxe dès l’écriture et peuvent être associé à un débuggeur, souvent celui de Chrome.</a:t>
+              <a:t>Des éditeurs plus </a:t>
+            </a:r>
+            <a:r>
+              <a:rPr lang="fr-FR" dirty="0" smtClean="0"/>
+              <a:t>sophistiqués </a:t>
+            </a:r>
+            <a:r>
+              <a:rPr lang="fr-FR" dirty="0" smtClean="0"/>
+              <a:t>comme Eclipse et Visual Studio Code indiquent les erreurs de syntaxe dès l’écriture et peuvent être associé à un débuggeur, souvent celui de Chrome.</a:t>
             </a:r>
           </a:p>
         </p:txBody>
@@ -5934,13 +5942,8 @@
             <a:pPr algn="just"/>
             <a:r>
               <a:rPr lang="fr-FR" dirty="0" smtClean="0"/>
-              <a:t>L’utilisation des cookies peut </a:t>
-            </a:r>
-            <a:r>
-              <a:rPr lang="fr-FR" smtClean="0"/>
-              <a:t>être désactivée dans les navigateurs.</a:t>
-            </a:r>
-            <a:endParaRPr lang="fr-FR" dirty="0" smtClean="0"/>
+              <a:t>L’utilisation des cookies peut être désactivée dans les navigateurs.</a:t>
+            </a:r>
           </a:p>
           <a:p>
             <a:r>
@@ -6037,15 +6040,15 @@
             <a:pPr algn="just"/>
             <a:r>
               <a:rPr lang="fr-FR" dirty="0" smtClean="0"/>
-              <a:t>Pour des raisons de sécurité, JavaScript n’a pas accès </a:t>
-            </a:r>
-            <a:r>
-              <a:rPr lang="fr-FR" dirty="0" smtClean="0"/>
-              <a:t>aux fichiers de </a:t>
-            </a:r>
-            <a:r>
-              <a:rPr lang="fr-FR" dirty="0" smtClean="0"/>
-              <a:t>l’ordinateur sur lequel il s’exécute. Toutefois, il est possible de stocker des informations de manière sécurisé. Ces informations ont un volume maximum de 5 Mo et ne sont lisibles que par le navigateur sur la machine qui les a écrites. </a:t>
+              <a:t>Pour des raisons de sécurité, JavaScript n’a pas accès aux fichiers de l’ordinateur sur lequel il s’exécute. Toutefois, il est possible de stocker des informations de manière sécurisé. Ces informations ont un volume maximum de 5 Mo et ne sont lisibles que par le navigateur sur la machine qui les a </a:t>
+            </a:r>
+            <a:r>
+              <a:rPr lang="fr-FR" dirty="0" smtClean="0"/>
+              <a:t>écrits</a:t>
+            </a:r>
+            <a:r>
+              <a:rPr lang="fr-FR" dirty="0" smtClean="0"/>
+              <a:t>. </a:t>
             </a:r>
           </a:p>
           <a:p>
@@ -6448,7 +6451,15 @@
             </a:pPr>
             <a:r>
               <a:rPr lang="fr-FR" dirty="0" smtClean="0"/>
-              <a:t>De très nombreuses librairies ont été développées afin d’enrichir les fonctionnalité ou de simplifier l’utilisation de JavaScript. </a:t>
+              <a:t>De très nombreuses librairies ont été développées afin d’enrichir les </a:t>
+            </a:r>
+            <a:r>
+              <a:rPr lang="fr-FR" dirty="0" smtClean="0"/>
+              <a:t>fonctionnalités </a:t>
+            </a:r>
+            <a:r>
+              <a:rPr lang="fr-FR" dirty="0" smtClean="0"/>
+              <a:t>ou de simplifier l’utilisation de JavaScript. </a:t>
             </a:r>
           </a:p>
           <a:p>
@@ -6634,14 +6645,26 @@
         <p:spPr/>
         <p:txBody>
           <a:bodyPr>
-            <a:normAutofit fontScale="92500" lnSpcReduction="10000"/>
+            <a:normAutofit lnSpcReduction="10000"/>
           </a:bodyPr>
           <a:lstStyle/>
           <a:p>
             <a:pPr algn="just"/>
             <a:r>
               <a:rPr lang="fr-FR" dirty="0" smtClean="0"/>
-              <a:t>Depuis 2009, le JavaScript n’est plus cantonné au navigateur et donc au coté client. Plusieurs interpréteurs JavaScript autonomes ont fait leur apparition, le plus connu et le plus utilisé étant Node.js  </a:t>
+              <a:t>Depuis 2009, le JavaScript n’est plus cantonné au navigateur et donc au coté client. Plusieurs </a:t>
+            </a:r>
+            <a:r>
+              <a:rPr lang="fr-FR" dirty="0" err="1" smtClean="0"/>
+              <a:t>FrameWork</a:t>
+            </a:r>
+            <a:r>
+              <a:rPr lang="fr-FR" dirty="0" smtClean="0"/>
+              <a:t> JavaScript ont </a:t>
+            </a:r>
+            <a:r>
+              <a:rPr lang="fr-FR" dirty="0" smtClean="0"/>
+              <a:t>fait leur apparition, le plus connu et le plus utilisé étant Node.js  </a:t>
             </a:r>
           </a:p>
           <a:p>

--- a/javascript.pptx
+++ b/javascript.pptx
@@ -137,7 +137,7 @@
   </p:defaultTextStyle>
   <p:extLst>
     <p:ext uri="{EFAFB233-063F-42B5-8137-9DF3F51BA10A}">
-      <p15:sldGuideLst xmlns:p15="http://schemas.microsoft.com/office/powerpoint/2012/main" xmlns="">
+      <p15:sldGuideLst xmlns="" xmlns:p15="http://schemas.microsoft.com/office/powerpoint/2012/main">
         <p15:guide id="1" orient="horz" pos="2160">
           <p15:clr>
             <a:srgbClr val="A4A3A4"/>
@@ -3407,7 +3407,15 @@
             <a:pPr algn="just"/>
             <a:r>
               <a:rPr lang="fr-FR" dirty="0" smtClean="0"/>
-              <a:t>Placer l’appel des scripts si possible à la fin du body</a:t>
+              <a:t>Placer l’appel des </a:t>
+            </a:r>
+            <a:r>
+              <a:rPr lang="fr-FR" dirty="0" smtClean="0"/>
+              <a:t>scripts, </a:t>
+            </a:r>
+            <a:r>
+              <a:rPr lang="fr-FR" dirty="0" smtClean="0"/>
+              <a:t>si possible à la fin du body</a:t>
             </a:r>
           </a:p>
           <a:p>
@@ -3510,7 +3518,15 @@
             <a:pPr algn="just"/>
             <a:r>
               <a:rPr lang="fr-FR" dirty="0" smtClean="0"/>
-              <a:t>La syntaxe du JavaScript est issue du Java qui est lui-même issu du Langage C</a:t>
+              <a:t>La syntaxe du JavaScript est issue du Java qui </a:t>
+            </a:r>
+            <a:r>
+              <a:rPr lang="fr-FR" dirty="0" smtClean="0"/>
+              <a:t>est, </a:t>
+            </a:r>
+            <a:r>
+              <a:rPr lang="fr-FR" dirty="0" smtClean="0"/>
+              <a:t>lui-même issu du Langage C</a:t>
             </a:r>
           </a:p>
           <a:p>
@@ -3524,7 +3540,15 @@
             <a:pPr algn="just"/>
             <a:r>
               <a:rPr lang="fr-FR" dirty="0" smtClean="0"/>
-              <a:t>Les noms des objets, variables, fonction etc… ne devraient pas contenir de caractères spéciaux ou de caractères accentués. Ils devraient commencer par une lettre et peuvent ensuite contenir des chiffres, des lettres ou le caractère souligné (également appelé </a:t>
+              <a:t>Les noms des objets, variables, </a:t>
+            </a:r>
+            <a:r>
+              <a:rPr lang="fr-FR" dirty="0" smtClean="0"/>
+              <a:t>fonctions </a:t>
+            </a:r>
+            <a:r>
+              <a:rPr lang="fr-FR" dirty="0" smtClean="0"/>
+              <a:t>etc… ne devraient pas contenir de caractères spéciaux ou de caractères accentués. Ils devraient commencer par une lettre et peuvent ensuite contenir des chiffres, des lettres ou le caractère souligné (également appelé </a:t>
             </a:r>
             <a:r>
               <a:rPr lang="fr-FR" dirty="0" err="1" smtClean="0"/>
@@ -3630,33 +3654,50 @@
             </a:r>
           </a:p>
           <a:p>
+            <a:pPr marL="0" indent="0" algn="just">
+              <a:buNone/>
+            </a:pPr>
+            <a:r>
+              <a:rPr lang="fr-FR" dirty="0" smtClean="0"/>
+              <a:t>La syntaxe des commentaires est directement issue du langage C:</a:t>
+            </a:r>
+          </a:p>
+          <a:p>
+            <a:pPr algn="just"/>
+            <a:r>
+              <a:rPr lang="fr-FR" dirty="0" smtClean="0"/>
+              <a:t>/* */ sur un bloc (une ligne, plusieurs lignes, au milieu d’une ligne (a éviter))</a:t>
+            </a:r>
+          </a:p>
+          <a:p>
+            <a:r>
+              <a:rPr lang="fr-FR" dirty="0" smtClean="0"/>
+              <a:t>// sur une ligne ou une fin de ligne</a:t>
+            </a:r>
+          </a:p>
+          <a:p>
             <a:pPr marL="0" indent="0">
               <a:buNone/>
             </a:pPr>
             <a:r>
               <a:rPr lang="fr-FR" dirty="0" smtClean="0"/>
-              <a:t>La syntaxe des commentaires est directement issue du langage C:</a:t>
-            </a:r>
-          </a:p>
-          <a:p>
-            <a:r>
-              <a:rPr lang="fr-FR" dirty="0" smtClean="0"/>
-              <a:t>/* */ sur un bloc (une ligne, plusieurs lignes, au milieu d’une ligne (a éviter))</a:t>
-            </a:r>
-          </a:p>
-          <a:p>
-            <a:r>
-              <a:rPr lang="fr-FR" dirty="0" smtClean="0"/>
-              <a:t>// sur une ligne ou une fin de ligne</a:t>
-            </a:r>
-          </a:p>
-          <a:p>
-            <a:pPr marL="0" indent="0">
-              <a:buNone/>
-            </a:pPr>
-            <a:r>
-              <a:rPr lang="fr-FR" dirty="0" smtClean="0"/>
-              <a:t>Mettre des noms de variables parlant (Le JavaScript étant non typé, possibilité d’ajouter le type dans le nom)</a:t>
+              <a:t>Mettre des noms de variables </a:t>
+            </a:r>
+            <a:r>
+              <a:rPr lang="fr-FR" dirty="0" smtClean="0"/>
+              <a:t>parlants </a:t>
+            </a:r>
+            <a:r>
+              <a:rPr lang="fr-FR" dirty="0" smtClean="0"/>
+              <a:t>(Le JavaScript étant non typé, </a:t>
+            </a:r>
+            <a:r>
+              <a:rPr lang="fr-FR" dirty="0" smtClean="0"/>
+              <a:t>il y a la possibilité </a:t>
+            </a:r>
+            <a:r>
+              <a:rPr lang="fr-FR" dirty="0" smtClean="0"/>
+              <a:t>d’ajouter le type dans le nom)</a:t>
             </a:r>
           </a:p>
           <a:p>
@@ -3761,7 +3802,7 @@
         <p:spPr/>
         <p:txBody>
           <a:bodyPr>
-            <a:normAutofit fontScale="92500" lnSpcReduction="20000"/>
+            <a:normAutofit fontScale="85000" lnSpcReduction="10000"/>
           </a:bodyPr>
           <a:lstStyle/>
           <a:p>
@@ -3770,7 +3811,11 @@
             </a:pPr>
             <a:r>
               <a:rPr lang="fr-FR" dirty="0" smtClean="0"/>
-              <a:t>Déclarer des variables: var, let, </a:t>
+              <a:t>Déclaration </a:t>
+            </a:r>
+            <a:r>
+              <a:rPr lang="fr-FR" dirty="0" smtClean="0"/>
+              <a:t>des variables: var, let, </a:t>
             </a:r>
             <a:r>
               <a:rPr lang="fr-FR" dirty="0" err="1" smtClean="0"/>
@@ -3785,7 +3830,23 @@
             <a:pPr algn="just"/>
             <a:r>
               <a:rPr lang="fr-FR" dirty="0" smtClean="0"/>
-              <a:t>var: a une porté globale ou de fonction. A proscrire car remplacé par let plus généraliste</a:t>
+              <a:t>var: a une porté globale ou de fonction. A </a:t>
+            </a:r>
+            <a:r>
+              <a:rPr lang="fr-FR" dirty="0" smtClean="0"/>
+              <a:t>éviter car </a:t>
+            </a:r>
+            <a:r>
+              <a:rPr lang="fr-FR" dirty="0" smtClean="0"/>
+              <a:t>remplacé par </a:t>
+            </a:r>
+            <a:r>
+              <a:rPr lang="fr-FR" dirty="0" smtClean="0"/>
+              <a:t>« let » </a:t>
+            </a:r>
+            <a:r>
+              <a:rPr lang="fr-FR" dirty="0" smtClean="0"/>
+              <a:t>plus généraliste</a:t>
             </a:r>
           </a:p>
           <a:p>
@@ -3807,8 +3868,13 @@
           <a:p>
             <a:r>
               <a:rPr lang="fr-FR" dirty="0" smtClean="0"/>
-              <a:t>Ne rien mettre: équivalent à var</a:t>
-            </a:r>
+              <a:t>Ne rien mettre: équivalent à </a:t>
+            </a:r>
+            <a:r>
+              <a:rPr lang="fr-FR" dirty="0" smtClean="0"/>
+              <a:t>var, à proscrire…</a:t>
+            </a:r>
+            <a:endParaRPr lang="fr-FR" dirty="0" smtClean="0"/>
           </a:p>
           <a:p>
             <a:pPr marL="0" indent="0" algn="just">
@@ -4177,7 +4243,15 @@
             </a:pPr>
             <a:r>
               <a:rPr lang="fr-FR" dirty="0" smtClean="0"/>
-              <a:t>Le code source de la page est affichable dans le navigateur (généralement clic droit + voir sources)</a:t>
+              <a:t>Le code source de la </a:t>
+            </a:r>
+            <a:r>
+              <a:rPr lang="fr-FR" dirty="0" smtClean="0"/>
+              <a:t>page HTML </a:t>
+            </a:r>
+            <a:r>
+              <a:rPr lang="fr-FR" dirty="0" smtClean="0"/>
+              <a:t>est affichable dans le navigateur (généralement clic droit + voir sources)</a:t>
             </a:r>
           </a:p>
           <a:p>
@@ -4204,15 +4278,15 @@
             </a:pPr>
             <a:r>
               <a:rPr lang="fr-FR" dirty="0" smtClean="0"/>
-              <a:t>Des éditeurs plus </a:t>
-            </a:r>
-            <a:r>
-              <a:rPr lang="fr-FR" dirty="0" smtClean="0"/>
-              <a:t>sophistiqués </a:t>
-            </a:r>
-            <a:r>
-              <a:rPr lang="fr-FR" dirty="0" smtClean="0"/>
-              <a:t>comme Eclipse et Visual Studio Code indiquent les erreurs de syntaxe dès l’écriture et peuvent être associé à un débuggeur, souvent celui de Chrome.</a:t>
+              <a:t>Des éditeurs plus sophistiqués comme Eclipse et Visual Studio Code indiquent les erreurs de syntaxe dès l’écriture et peuvent être </a:t>
+            </a:r>
+            <a:r>
+              <a:rPr lang="fr-FR" dirty="0" smtClean="0"/>
+              <a:t>associés </a:t>
+            </a:r>
+            <a:r>
+              <a:rPr lang="fr-FR" dirty="0" smtClean="0"/>
+              <a:t>à un débuggeur, souvent celui de Chrome.</a:t>
             </a:r>
           </a:p>
         </p:txBody>
@@ -4330,7 +4404,27 @@
             <a:pPr algn="just"/>
             <a:r>
               <a:rPr lang="fr-FR" dirty="0" smtClean="0"/>
-              <a:t>switch: permet de faire un traitement en fonction d’une valeur parmi n. C’est l’équivalent d’une série de if en beaucoup plus lisible</a:t>
+              <a:t>switch: permet de faire un traitement en fonction d’une valeur </a:t>
+            </a:r>
+            <a:r>
+              <a:rPr lang="fr-FR" dirty="0" err="1" smtClean="0"/>
+              <a:t>parmie</a:t>
+            </a:r>
+            <a:r>
+              <a:rPr lang="fr-FR" dirty="0" smtClean="0"/>
+              <a:t> </a:t>
+            </a:r>
+            <a:r>
+              <a:rPr lang="fr-FR" dirty="0" smtClean="0"/>
+              <a:t>n. C’est l’équivalent d’une série de </a:t>
+            </a:r>
+            <a:r>
+              <a:rPr lang="fr-FR" dirty="0" smtClean="0"/>
+              <a:t>« if » </a:t>
+            </a:r>
+            <a:r>
+              <a:rPr lang="fr-FR" dirty="0" smtClean="0"/>
+              <a:t>en beaucoup plus lisible</a:t>
             </a:r>
           </a:p>
           <a:p>
@@ -4449,7 +4543,15 @@
             </a:pPr>
             <a:r>
               <a:rPr lang="fr-FR" dirty="0" smtClean="0"/>
-              <a:t>Script: procédure.html, fonction1.html</a:t>
+              <a:t>Script: </a:t>
+            </a:r>
+            <a:r>
+              <a:rPr lang="fr-FR" dirty="0" smtClean="0"/>
+              <a:t>procedure.html</a:t>
+            </a:r>
+            <a:r>
+              <a:rPr lang="fr-FR" dirty="0" smtClean="0"/>
+              <a:t>, fonction1.html</a:t>
             </a:r>
             <a:endParaRPr lang="fr-FR" dirty="0"/>
           </a:p>
@@ -4944,6 +5046,7 @@
             </a:r>
           </a:p>
           <a:p>
+            <a:pPr algn="just"/>
             <a:r>
               <a:rPr lang="fr-FR" dirty="0" err="1" smtClean="0"/>
               <a:t>setTimeout</a:t>
@@ -4954,6 +5057,7 @@
             </a:r>
           </a:p>
           <a:p>
+            <a:pPr algn="just"/>
             <a:r>
               <a:rPr lang="fr-FR" dirty="0" err="1" smtClean="0"/>
               <a:t>setInterval</a:t>
@@ -4970,7 +5074,19 @@
             </a:r>
             <a:r>
               <a:rPr lang="fr-FR" dirty="0" smtClean="0"/>
-              <a:t>: arrête un </a:t>
+              <a:t>, </a:t>
+            </a:r>
+            <a:r>
+              <a:rPr lang="fr-FR" dirty="0" err="1" smtClean="0"/>
+              <a:t>clearTimeout</a:t>
+            </a:r>
+            <a:r>
+              <a:rPr lang="fr-FR" dirty="0" smtClean="0"/>
+              <a:t>: </a:t>
+            </a:r>
+            <a:r>
+              <a:rPr lang="fr-FR" dirty="0" smtClean="0"/>
+              <a:t>arrête un </a:t>
             </a:r>
             <a:r>
               <a:rPr lang="fr-FR" dirty="0" err="1" smtClean="0"/>
@@ -4984,7 +5100,15 @@
             </a:pPr>
             <a:r>
               <a:rPr lang="fr-FR" dirty="0" smtClean="0"/>
-              <a:t>PS: la fonction exécuté est une fonction de callback…</a:t>
+              <a:t>PS: la fonction </a:t>
+            </a:r>
+            <a:r>
+              <a:rPr lang="fr-FR" dirty="0" smtClean="0"/>
+              <a:t>exécutée </a:t>
+            </a:r>
+            <a:r>
+              <a:rPr lang="fr-FR" dirty="0" smtClean="0"/>
+              <a:t>est une fonction de callback…</a:t>
             </a:r>
           </a:p>
           <a:p>
@@ -5097,7 +5221,31 @@
             <a:pPr algn="just"/>
             <a:r>
               <a:rPr lang="fr-FR" dirty="0" smtClean="0"/>
-              <a:t>Ils permettent malgré tout une simplification de la syntaxe et de l’écriture souvent « fouillis » du JavaScript</a:t>
+              <a:t>Ils </a:t>
+            </a:r>
+            <a:r>
+              <a:rPr lang="fr-FR" dirty="0" smtClean="0"/>
+              <a:t>permettent, </a:t>
+            </a:r>
+            <a:r>
+              <a:rPr lang="fr-FR" dirty="0" smtClean="0"/>
+              <a:t>malgré </a:t>
+            </a:r>
+            <a:r>
+              <a:rPr lang="fr-FR" dirty="0" smtClean="0"/>
+              <a:t>tout, </a:t>
+            </a:r>
+            <a:r>
+              <a:rPr lang="fr-FR" dirty="0" smtClean="0"/>
+              <a:t>une simplification de la syntaxe et de l’écriture souvent « </a:t>
+            </a:r>
+            <a:r>
+              <a:rPr lang="fr-FR" dirty="0" err="1" smtClean="0"/>
+              <a:t>fouillies</a:t>
+            </a:r>
+            <a:r>
+              <a:rPr lang="fr-FR" dirty="0" smtClean="0"/>
+              <a:t> » du JavaScript</a:t>
             </a:r>
           </a:p>
           <a:p>
@@ -5213,17 +5361,22 @@
               <a:t>Comme son nom l’indique, </a:t>
             </a:r>
             <a:r>
-              <a:rPr lang="fr-FR" dirty="0" err="1"/>
+              <a:rPr lang="fr-FR" dirty="0" err="1" smtClean="0"/>
               <a:t>Window</a:t>
             </a:r>
             <a:r>
+              <a:rPr lang="fr-FR" dirty="0" smtClean="0"/>
+              <a:t> </a:t>
+            </a:r>
+            <a:r>
               <a:rPr lang="fr-FR" dirty="0"/>
-              <a:t> gère et donne des informations sur la fenêtre du navigateur (ouverture, fermeture, dimension</a:t>
-            </a:r>
-            <a:r>
-              <a:rPr lang="fr-FR" dirty="0" smtClean="0"/>
-              <a:t>…)</a:t>
-            </a:r>
+              <a:t>donne des informations sur la fenêtre du navigateur (ouverture, fermeture, </a:t>
+            </a:r>
+            <a:r>
+              <a:rPr lang="fr-FR" dirty="0" smtClean="0"/>
+              <a:t>dimensions…)</a:t>
+            </a:r>
+            <a:endParaRPr lang="fr-FR" dirty="0" smtClean="0"/>
           </a:p>
           <a:p>
             <a:pPr marL="0" indent="0">
@@ -5256,7 +5409,15 @@
             </a:pPr>
             <a:r>
               <a:rPr lang="fr-FR" dirty="0"/>
-              <a:t>Comme son nom l’indique également, Navigator donne des information sur le </a:t>
+              <a:t>Comme son nom l’indique également, Navigator donne des </a:t>
+            </a:r>
+            <a:r>
+              <a:rPr lang="fr-FR" dirty="0" smtClean="0"/>
+              <a:t>informations </a:t>
+            </a:r>
+            <a:r>
+              <a:rPr lang="fr-FR" dirty="0"/>
+              <a:t>sur le </a:t>
             </a:r>
             <a:r>
               <a:rPr lang="fr-FR" dirty="0" smtClean="0"/>
@@ -5657,7 +5818,7 @@
         <p:spPr/>
         <p:txBody>
           <a:bodyPr>
-            <a:normAutofit fontScale="85000" lnSpcReduction="10000"/>
+            <a:normAutofit fontScale="85000" lnSpcReduction="20000"/>
           </a:bodyPr>
           <a:lstStyle/>
           <a:p>
@@ -5678,7 +5839,23 @@
             <a:pPr algn="just"/>
             <a:r>
               <a:rPr lang="fr-FR" dirty="0" smtClean="0"/>
-              <a:t>Il ne peut par contre pas modifier dynamiquement le CSS</a:t>
+              <a:t>Il ne </a:t>
+            </a:r>
+            <a:r>
+              <a:rPr lang="fr-FR" dirty="0" smtClean="0"/>
+              <a:t>peut, </a:t>
+            </a:r>
+            <a:r>
+              <a:rPr lang="fr-FR" dirty="0" smtClean="0"/>
+              <a:t>par </a:t>
+            </a:r>
+            <a:r>
+              <a:rPr lang="fr-FR" dirty="0" smtClean="0"/>
+              <a:t>contre, </a:t>
+            </a:r>
+            <a:r>
+              <a:rPr lang="fr-FR" dirty="0" smtClean="0"/>
+              <a:t>pas modifier dynamiquement le CSS</a:t>
             </a:r>
           </a:p>
           <a:p>
@@ -5716,8 +5893,45 @@
             </a:r>
             <a:r>
               <a:rPr lang="fr-FR" dirty="0"/>
-              <a:t>est une instruction très souple qui permet de sélectionner de manière très fine certains éléments.</a:t>
-            </a:r>
+              <a:t>est une instruction très souple qui permet de sélectionner de manière très fine certains éléments</a:t>
+            </a:r>
+            <a:r>
+              <a:rPr lang="fr-FR" dirty="0" smtClean="0"/>
+              <a:t>. Elle peut remplacer </a:t>
+            </a:r>
+            <a:r>
+              <a:rPr lang="fr-FR" dirty="0" err="1" smtClean="0"/>
+              <a:t>getElementById</a:t>
+            </a:r>
+            <a:r>
+              <a:rPr lang="fr-FR" dirty="0" smtClean="0"/>
+              <a:t>, </a:t>
+            </a:r>
+            <a:r>
+              <a:rPr lang="fr-FR" dirty="0" err="1" smtClean="0"/>
+              <a:t>getElementsByClass</a:t>
+            </a:r>
+            <a:r>
+              <a:rPr lang="fr-FR" dirty="0" smtClean="0"/>
+              <a:t> et </a:t>
+            </a:r>
+            <a:r>
+              <a:rPr lang="fr-FR" dirty="0" err="1" smtClean="0"/>
+              <a:t>get</a:t>
+            </a:r>
+            <a:r>
+              <a:rPr lang="fr-FR" dirty="0" smtClean="0"/>
+              <a:t> </a:t>
+            </a:r>
+            <a:r>
+              <a:rPr lang="fr-FR" dirty="0" err="1" smtClean="0"/>
+              <a:t>ElementsByTag</a:t>
+            </a:r>
+            <a:r>
+              <a:rPr lang="fr-FR" dirty="0" smtClean="0"/>
+              <a:t> mais est plus complexe à paramétrer.</a:t>
+            </a:r>
+            <a:endParaRPr lang="fr-FR" dirty="0"/>
           </a:p>
           <a:p>
             <a:pPr algn="just"/>
@@ -5822,25 +6036,40 @@
             <a:pPr algn="just"/>
             <a:r>
               <a:rPr lang="fr-FR" dirty="0" smtClean="0"/>
-              <a:t>Ils sont toutefois de plus en plus remplacé par des applications mono-pages gérées en JavaScript via parfois de gros Framework comme </a:t>
+              <a:t>Ils sont toutefois de plus en plus </a:t>
+            </a:r>
+            <a:r>
+              <a:rPr lang="fr-FR" dirty="0" smtClean="0"/>
+              <a:t>remplacés </a:t>
+            </a:r>
+            <a:r>
+              <a:rPr lang="fr-FR" dirty="0" smtClean="0"/>
+              <a:t>par des applications mono-pages gérées en JavaScript via parfois de gros Framework comme </a:t>
             </a:r>
             <a:r>
               <a:rPr lang="fr-FR" dirty="0" err="1" smtClean="0"/>
               <a:t>Angular</a:t>
             </a:r>
+            <a:r>
+              <a:rPr lang="fr-FR" dirty="0" smtClean="0"/>
+              <a:t>.</a:t>
+            </a:r>
             <a:endParaRPr lang="fr-FR" dirty="0" smtClean="0"/>
           </a:p>
           <a:p>
             <a:pPr algn="just"/>
             <a:r>
               <a:rPr lang="fr-FR" dirty="0" smtClean="0"/>
-              <a:t>Au niveau des formulaires, le JavaScript peut contrôler ce qui est envoyé. Ce contrôle au niveau client est beaucoup plus rapide qu’un contrôle au niveau </a:t>
-            </a:r>
-            <a:r>
-              <a:rPr lang="fr-FR" smtClean="0"/>
-              <a:t>du serveur.</a:t>
-            </a:r>
-            <a:endParaRPr lang="fr-FR" dirty="0" smtClean="0"/>
+              <a:t>Au niveau des formulaires, le JavaScript peut contrôler ce qui est envoyé. Ce contrôle au niveau client est beaucoup plus </a:t>
+            </a:r>
+            <a:r>
+              <a:rPr lang="fr-FR" dirty="0" smtClean="0"/>
+              <a:t>rapide, mais moins complet </a:t>
+            </a:r>
+            <a:r>
+              <a:rPr lang="fr-FR" dirty="0" smtClean="0"/>
+              <a:t>qu’un contrôle au niveau du serveur.</a:t>
+            </a:r>
           </a:p>
           <a:p>
             <a:r>
@@ -5928,14 +6157,46 @@
         <p:spPr/>
         <p:txBody>
           <a:bodyPr>
-            <a:normAutofit fontScale="92500" lnSpcReduction="10000"/>
+            <a:normAutofit fontScale="92500" lnSpcReduction="20000"/>
           </a:bodyPr>
           <a:lstStyle/>
           <a:p>
             <a:pPr algn="just"/>
             <a:r>
               <a:rPr lang="fr-FR" dirty="0" smtClean="0"/>
-              <a:t>Les cookies permettent de mémoriser quelques informations sur les données saisies dans des formulaires. Il simplifie l’utilisation des sites en évitant une ressaisie des informations. Cette mémorisation d’informations qui peuvent être sensible (n° de carte de crédit par exemple) est un risque pour la sécurité.</a:t>
+              <a:t>Les cookies permettent de mémoriser quelques informations sur les données </a:t>
+            </a:r>
+            <a:r>
+              <a:rPr lang="fr-FR" dirty="0" smtClean="0"/>
+              <a:t>saisies, le plus souvent </a:t>
+            </a:r>
+            <a:r>
+              <a:rPr lang="fr-FR" dirty="0" smtClean="0"/>
+              <a:t>dans des formulaires. Il simplifie l’utilisation des sites en évitant une ressaisie des informations. Cette mémorisation </a:t>
+            </a:r>
+            <a:r>
+              <a:rPr lang="fr-FR" dirty="0" smtClean="0"/>
+              <a:t>d’informations, </a:t>
+            </a:r>
+            <a:r>
+              <a:rPr lang="fr-FR" dirty="0" smtClean="0"/>
+              <a:t>qui peuvent être </a:t>
+            </a:r>
+            <a:r>
+              <a:rPr lang="fr-FR" dirty="0" smtClean="0"/>
+              <a:t>sensible, </a:t>
+            </a:r>
+            <a:r>
+              <a:rPr lang="fr-FR" dirty="0" smtClean="0"/>
+              <a:t>(n° de carte de crédit par exemple) est </a:t>
+            </a:r>
+            <a:r>
+              <a:rPr lang="fr-FR" dirty="0" smtClean="0"/>
+              <a:t>potentiellement un </a:t>
+            </a:r>
+            <a:r>
+              <a:rPr lang="fr-FR" dirty="0" smtClean="0"/>
+              <a:t>risque pour la sécurité.</a:t>
             </a:r>
           </a:p>
           <a:p>
@@ -6040,15 +6301,15 @@
             <a:pPr algn="just"/>
             <a:r>
               <a:rPr lang="fr-FR" dirty="0" smtClean="0"/>
-              <a:t>Pour des raisons de sécurité, JavaScript n’a pas accès aux fichiers de l’ordinateur sur lequel il s’exécute. Toutefois, il est possible de stocker des informations de manière sécurisé. Ces informations ont un volume maximum de 5 Mo et ne sont lisibles que par le navigateur sur la machine qui les a </a:t>
-            </a:r>
-            <a:r>
-              <a:rPr lang="fr-FR" dirty="0" smtClean="0"/>
-              <a:t>écrits</a:t>
-            </a:r>
-            <a:r>
-              <a:rPr lang="fr-FR" dirty="0" smtClean="0"/>
-              <a:t>. </a:t>
+              <a:t>Pour des raisons de sécurité, JavaScript n’a pas accès aux fichiers de l’ordinateur sur lequel il s’exécute. Toutefois, il est possible de stocker des informations de manière </a:t>
+            </a:r>
+            <a:r>
+              <a:rPr lang="fr-FR" dirty="0" smtClean="0"/>
+              <a:t>sécurisée. </a:t>
+            </a:r>
+            <a:r>
+              <a:rPr lang="fr-FR" dirty="0" smtClean="0"/>
+              <a:t>Ces informations ont un volume maximum de 5 Mo et ne sont lisibles que par le navigateur sur la machine qui les a écrits. </a:t>
             </a:r>
           </a:p>
           <a:p>
@@ -6170,7 +6431,7 @@
         <p:spPr/>
         <p:txBody>
           <a:bodyPr>
-            <a:normAutofit lnSpcReduction="10000"/>
+            <a:normAutofit fontScale="92500"/>
           </a:bodyPr>
           <a:lstStyle/>
           <a:p>
@@ -6192,7 +6453,15 @@
             <a:pPr algn="just"/>
             <a:r>
               <a:rPr lang="fr-FR" dirty="0" smtClean="0"/>
-              <a:t>Son pilotage par le JavaScript permet de faire des graphiques dynamiques très facilement.</a:t>
+              <a:t>Son pilotage par le </a:t>
+            </a:r>
+            <a:r>
+              <a:rPr lang="fr-FR" dirty="0" smtClean="0"/>
+              <a:t>JavaScript est obligatoire et </a:t>
+            </a:r>
+            <a:r>
+              <a:rPr lang="fr-FR" dirty="0" smtClean="0"/>
+              <a:t>permet de faire des graphiques dynamiques très facilement.</a:t>
             </a:r>
           </a:p>
           <a:p>
@@ -6335,7 +6604,15 @@
             </a:pPr>
             <a:r>
               <a:rPr lang="fr-FR" sz="2800" dirty="0" smtClean="0"/>
-              <a:t>A l’époque, Netscape et Sun étaient associés, Sun envisageait que JavaScript serait un sous ensemble de Java pour rendre les pages Web plus dynamiques. C’est pour cela que le langage s’appel JavaScript même s’il n’a rien à voir avec le Java sauf au niveau de la syntaxe.</a:t>
+              <a:t>A l’époque, Netscape et Sun étaient associés, Sun envisageait que JavaScript serait un sous ensemble de Java pour rendre les pages Web plus dynamiques. C’est pour cela que le langage s’appel </a:t>
+            </a:r>
+            <a:r>
+              <a:rPr lang="fr-FR" sz="2800" dirty="0" smtClean="0"/>
+              <a:t>JavaScript, </a:t>
+            </a:r>
+            <a:r>
+              <a:rPr lang="fr-FR" sz="2800" dirty="0" smtClean="0"/>
+              <a:t>même s’il n’a rien à voir avec le Java sauf au niveau de la syntaxe.</a:t>
             </a:r>
           </a:p>
           <a:p>
@@ -6451,15 +6728,7 @@
             </a:pPr>
             <a:r>
               <a:rPr lang="fr-FR" dirty="0" smtClean="0"/>
-              <a:t>De très nombreuses librairies ont été développées afin d’enrichir les </a:t>
-            </a:r>
-            <a:r>
-              <a:rPr lang="fr-FR" dirty="0" smtClean="0"/>
-              <a:t>fonctionnalités </a:t>
-            </a:r>
-            <a:r>
-              <a:rPr lang="fr-FR" dirty="0" smtClean="0"/>
-              <a:t>ou de simplifier l’utilisation de JavaScript. </a:t>
+              <a:t>De très nombreuses librairies ont été développées afin d’enrichir les fonctionnalités ou de simplifier l’utilisation de JavaScript. </a:t>
             </a:r>
           </a:p>
           <a:p>
@@ -6468,7 +6737,15 @@
             </a:pPr>
             <a:r>
               <a:rPr lang="fr-FR" dirty="0" smtClean="0"/>
-              <a:t>Les plus connus sont</a:t>
+              <a:t>Les plus </a:t>
+            </a:r>
+            <a:r>
+              <a:rPr lang="fr-FR" dirty="0" smtClean="0"/>
+              <a:t>connues </a:t>
+            </a:r>
+            <a:r>
+              <a:rPr lang="fr-FR" dirty="0" smtClean="0"/>
+              <a:t>sont</a:t>
             </a:r>
           </a:p>
           <a:p>
@@ -6479,7 +6756,15 @@
             </a:r>
             <a:r>
               <a:rPr lang="fr-FR" dirty="0" smtClean="0"/>
-              <a:t>: C’est le module CSS de twitter, il permet une grande diversité de mise en page sur différents appareils ainsi qu’une personnalisation poussée </a:t>
+              <a:t>: C’est le module CSS de </a:t>
+            </a:r>
+            <a:r>
+              <a:rPr lang="fr-FR" dirty="0" smtClean="0"/>
+              <a:t>twitter. Il </a:t>
+            </a:r>
+            <a:r>
+              <a:rPr lang="fr-FR" dirty="0" smtClean="0"/>
+              <a:t>permet une grande diversité de mise en page sur différents appareils ainsi qu’une personnalisation poussée </a:t>
             </a:r>
             <a:r>
               <a:rPr lang="fr-FR" dirty="0"/>
@@ -6517,7 +6802,15 @@
             </a:r>
             <a:r>
               <a:rPr lang="fr-FR" dirty="0" smtClean="0"/>
-              <a:t>: Développé par John </a:t>
+              <a:t>: </a:t>
+            </a:r>
+            <a:r>
+              <a:rPr lang="fr-FR" dirty="0" smtClean="0"/>
+              <a:t>Développée </a:t>
+            </a:r>
+            <a:r>
+              <a:rPr lang="fr-FR" dirty="0" smtClean="0"/>
+              <a:t>par John </a:t>
             </a:r>
             <a:r>
               <a:rPr lang="fr-FR" dirty="0" err="1" smtClean="0"/>
@@ -6525,7 +6818,15 @@
             </a:r>
             <a:r>
               <a:rPr lang="fr-FR" dirty="0" smtClean="0"/>
-              <a:t>, cette librairie apporte une simplification de l’écriture du JavaScript ainsi qu’un grand nombre de </a:t>
+              <a:t>. C</a:t>
+            </a:r>
+            <a:r>
+              <a:rPr lang="fr-FR" dirty="0" smtClean="0"/>
+              <a:t>ette </a:t>
+            </a:r>
+            <a:r>
+              <a:rPr lang="fr-FR" dirty="0" smtClean="0"/>
+              <a:t>librairie apporte une simplification de l’écriture du JavaScript ainsi qu’un grand nombre de </a:t>
             </a:r>
             <a:r>
               <a:rPr lang="fr-FR" dirty="0"/>
@@ -6645,14 +6946,22 @@
         <p:spPr/>
         <p:txBody>
           <a:bodyPr>
-            <a:normAutofit lnSpcReduction="10000"/>
+            <a:normAutofit fontScale="92500" lnSpcReduction="10000"/>
           </a:bodyPr>
           <a:lstStyle/>
           <a:p>
             <a:pPr algn="just"/>
             <a:r>
               <a:rPr lang="fr-FR" dirty="0" smtClean="0"/>
-              <a:t>Depuis 2009, le JavaScript n’est plus cantonné au navigateur et donc au coté client. Plusieurs </a:t>
+              <a:t>Depuis 2009, le JavaScript n’est plus cantonné </a:t>
+            </a:r>
+            <a:r>
+              <a:rPr lang="fr-FR" dirty="0" smtClean="0"/>
+              <a:t>aux navigateurs </a:t>
+            </a:r>
+            <a:r>
+              <a:rPr lang="fr-FR" dirty="0" smtClean="0"/>
+              <a:t>et donc au coté client. Plusieurs </a:t>
             </a:r>
             <a:r>
               <a:rPr lang="fr-FR" dirty="0" err="1" smtClean="0"/>
@@ -6660,11 +6969,7 @@
             </a:r>
             <a:r>
               <a:rPr lang="fr-FR" dirty="0" smtClean="0"/>
-              <a:t> JavaScript ont </a:t>
-            </a:r>
-            <a:r>
-              <a:rPr lang="fr-FR" dirty="0" smtClean="0"/>
-              <a:t>fait leur apparition, le plus connu et le plus utilisé étant Node.js  </a:t>
+              <a:t> JavaScript ont fait leur apparition, le plus connu et le plus utilisé étant Node.js  </a:t>
             </a:r>
           </a:p>
           <a:p>
@@ -6675,8 +6980,13 @@
             </a:r>
             <a:r>
               <a:rPr lang="fr-FR" dirty="0" smtClean="0"/>
-              <a:t> sort une évolution de JavaScript tous les ans au mois de juin.</a:t>
-            </a:r>
+              <a:t> sort une évolution de JavaScript tous les ans au mois de </a:t>
+            </a:r>
+            <a:r>
+              <a:rPr lang="fr-FR" dirty="0" smtClean="0"/>
+              <a:t>juin avec de nouvelles fonctions.</a:t>
+            </a:r>
+            <a:endParaRPr lang="fr-FR" dirty="0" smtClean="0"/>
           </a:p>
           <a:p>
             <a:pPr algn="just"/>
@@ -6690,7 +7000,27 @@
             </a:r>
             <a:r>
               <a:rPr lang="fr-FR" dirty="0" smtClean="0"/>
-              <a:t> est une surcouche à JavaScript qui ajoute principalement un typage fort des variables.</a:t>
+              <a:t> est une surcouche </a:t>
+            </a:r>
+            <a:r>
+              <a:rPr lang="fr-FR" dirty="0" smtClean="0"/>
+              <a:t>au</a:t>
+            </a:r>
+            <a:r>
+              <a:rPr lang="fr-FR" dirty="0" smtClean="0"/>
+              <a:t> JavaScript. </a:t>
+            </a:r>
+            <a:r>
+              <a:rPr lang="fr-FR" dirty="0" smtClean="0"/>
+              <a:t>Elle</a:t>
+            </a:r>
+            <a:r>
+              <a:rPr lang="fr-FR" dirty="0" smtClean="0"/>
+              <a:t> </a:t>
+            </a:r>
+            <a:r>
+              <a:rPr lang="fr-FR" dirty="0" smtClean="0"/>
+              <a:t>ajoute principalement un typage fort des variables.</a:t>
             </a:r>
             <a:endParaRPr lang="fr-FR" dirty="0"/>
           </a:p>
@@ -7165,7 +7495,23 @@
             </a:r>
             <a:r>
               <a:rPr lang="fr-FR" dirty="0" smtClean="0"/>
-              <a:t> permettent la coloration syntaxique, les éditeurs plus lourds tel que Eclipse et Visual Studio Code indiquent directement les erreurs de syntaxe et permettent le débogage au prix d’un paramétrage assez compliqué.</a:t>
+              <a:t> permettent la coloration </a:t>
+            </a:r>
+            <a:r>
+              <a:rPr lang="fr-FR" dirty="0" smtClean="0"/>
+              <a:t>syntaxique. Les </a:t>
+            </a:r>
+            <a:r>
+              <a:rPr lang="fr-FR" dirty="0" smtClean="0"/>
+              <a:t>éditeurs plus lourds </a:t>
+            </a:r>
+            <a:r>
+              <a:rPr lang="fr-FR" dirty="0" smtClean="0"/>
+              <a:t>tels </a:t>
+            </a:r>
+            <a:r>
+              <a:rPr lang="fr-FR" dirty="0" smtClean="0"/>
+              <a:t>que Eclipse et Visual Studio Code indiquent directement les erreurs de syntaxe et permettent le débogage au prix d’un paramétrage assez compliqué.</a:t>
             </a:r>
             <a:endParaRPr lang="fr-FR" dirty="0"/>
           </a:p>
@@ -7248,7 +7594,7 @@
         <p:spPr/>
         <p:txBody>
           <a:bodyPr>
-            <a:normAutofit fontScale="92500"/>
+            <a:normAutofit lnSpcReduction="10000"/>
           </a:bodyPr>
           <a:lstStyle/>
           <a:p>
@@ -7268,7 +7614,15 @@
             </a:br>
             <a:r>
               <a:rPr lang="fr-FR" dirty="0" smtClean="0"/>
-              <a:t>       Affichages et traitements sur la page HTML</a:t>
+              <a:t>       </a:t>
+            </a:r>
+            <a:r>
+              <a:rPr lang="fr-FR" dirty="0" smtClean="0"/>
+              <a:t>Affichage </a:t>
+            </a:r>
+            <a:r>
+              <a:rPr lang="fr-FR" dirty="0" smtClean="0"/>
+              <a:t>et traitements sur la page HTML</a:t>
             </a:r>
             <a:br>
               <a:rPr lang="fr-FR" dirty="0" smtClean="0"/>
@@ -7672,7 +8026,11 @@
             </a:pPr>
             <a:r>
               <a:rPr lang="fr-FR" dirty="0" smtClean="0"/>
-              <a:t>Attention: chaque navigateur et chaque version de ces navigateurs embarquent une version d’un interpréteur JavaScript.</a:t>
+              <a:t>Attention: chaque navigateur et chaque version de ces navigateurs embarquent une version d’un interpréteur </a:t>
+            </a:r>
+            <a:r>
+              <a:rPr lang="fr-FR" dirty="0" smtClean="0"/>
+              <a:t>JavaScript.</a:t>
             </a:r>
           </a:p>
           <a:p>
@@ -7681,7 +8039,19 @@
             </a:pPr>
             <a:r>
               <a:rPr lang="fr-FR" dirty="0" smtClean="0"/>
-              <a:t>Donc, tous les scripts ne tournent pas sur tous les navigateurs et s’ils tournent, n’ont pas toujours les mêmes comportements.</a:t>
+              <a:t>Donc</a:t>
+            </a:r>
+            <a:r>
+              <a:rPr lang="fr-FR" dirty="0" smtClean="0"/>
+              <a:t>, tous les scripts ne tournent pas sur tous les navigateurs et s’ils tournent, n’ont pas toujours les mêmes comportements</a:t>
+            </a:r>
+            <a:r>
+              <a:rPr lang="fr-FR" dirty="0" smtClean="0"/>
+              <a:t>.</a:t>
+            </a:r>
+            <a:r>
+              <a:rPr lang="fr-FR" dirty="0" smtClean="0"/>
+              <a:t/>
             </a:r>
             <a:br>
               <a:rPr lang="fr-FR" dirty="0" smtClean="0"/>
@@ -7697,7 +8067,15 @@
             </a:pPr>
             <a:r>
               <a:rPr lang="fr-FR" dirty="0" smtClean="0"/>
-              <a:t>On peut avoir une idées des fonctionnalités disponibles sur le site</a:t>
+              <a:t>On peut avoir une </a:t>
+            </a:r>
+            <a:r>
+              <a:rPr lang="fr-FR" dirty="0" smtClean="0"/>
+              <a:t>idée </a:t>
+            </a:r>
+            <a:r>
+              <a:rPr lang="fr-FR" dirty="0" smtClean="0"/>
+              <a:t>des fonctionnalités disponibles sur le site</a:t>
             </a:r>
           </a:p>
           <a:p>
@@ -7821,7 +8199,15 @@
             <a:pPr algn="just"/>
             <a:r>
               <a:rPr lang="fr-FR" dirty="0" smtClean="0"/>
-              <a:t>De nos jours, cette désactivation est de plus en plus rare car elle empêche le fonctionnement correct de la plupart des sites. </a:t>
+              <a:t>De nos jours, cette désactivation est de plus en plus </a:t>
+            </a:r>
+            <a:r>
+              <a:rPr lang="fr-FR" dirty="0" smtClean="0"/>
+              <a:t>rare, </a:t>
+            </a:r>
+            <a:r>
+              <a:rPr lang="fr-FR" dirty="0" smtClean="0"/>
+              <a:t>car elle empêche le fonctionnement correct de la plupart des sites. </a:t>
             </a:r>
             <a:endParaRPr lang="fr-FR" dirty="0"/>
           </a:p>

--- a/javascript.pptx
+++ b/javascript.pptx
@@ -137,7 +137,7 @@
   </p:defaultTextStyle>
   <p:extLst>
     <p:ext uri="{EFAFB233-063F-42B5-8137-9DF3F51BA10A}">
-      <p15:sldGuideLst xmlns="" xmlns:p15="http://schemas.microsoft.com/office/powerpoint/2012/main">
+      <p15:sldGuideLst xmlns:p15="http://schemas.microsoft.com/office/powerpoint/2012/main" xmlns="">
         <p15:guide id="1" orient="horz" pos="2160">
           <p15:clr>
             <a:srgbClr val="A4A3A4"/>
@@ -3407,15 +3407,7 @@
             <a:pPr algn="just"/>
             <a:r>
               <a:rPr lang="fr-FR" dirty="0" smtClean="0"/>
-              <a:t>Placer l’appel des </a:t>
-            </a:r>
-            <a:r>
-              <a:rPr lang="fr-FR" dirty="0" smtClean="0"/>
-              <a:t>scripts, </a:t>
-            </a:r>
-            <a:r>
-              <a:rPr lang="fr-FR" dirty="0" smtClean="0"/>
-              <a:t>si possible à la fin du body</a:t>
+              <a:t>Placer l’appel des scripts, si possible à la fin du body</a:t>
             </a:r>
           </a:p>
           <a:p>
@@ -3518,15 +3510,7 @@
             <a:pPr algn="just"/>
             <a:r>
               <a:rPr lang="fr-FR" dirty="0" smtClean="0"/>
-              <a:t>La syntaxe du JavaScript est issue du Java qui </a:t>
-            </a:r>
-            <a:r>
-              <a:rPr lang="fr-FR" dirty="0" smtClean="0"/>
-              <a:t>est, </a:t>
-            </a:r>
-            <a:r>
-              <a:rPr lang="fr-FR" dirty="0" smtClean="0"/>
-              <a:t>lui-même issu du Langage C</a:t>
+              <a:t>La syntaxe du JavaScript est issue du Java qui est, lui-même issu du Langage C</a:t>
             </a:r>
           </a:p>
           <a:p>
@@ -3540,15 +3524,7 @@
             <a:pPr algn="just"/>
             <a:r>
               <a:rPr lang="fr-FR" dirty="0" smtClean="0"/>
-              <a:t>Les noms des objets, variables, </a:t>
-            </a:r>
-            <a:r>
-              <a:rPr lang="fr-FR" dirty="0" smtClean="0"/>
-              <a:t>fonctions </a:t>
-            </a:r>
-            <a:r>
-              <a:rPr lang="fr-FR" dirty="0" smtClean="0"/>
-              <a:t>etc… ne devraient pas contenir de caractères spéciaux ou de caractères accentués. Ils devraient commencer par une lettre et peuvent ensuite contenir des chiffres, des lettres ou le caractère souligné (également appelé </a:t>
+              <a:t>Les noms des objets, variables, fonctions etc… ne devraient pas contenir de caractères spéciaux ou de caractères accentués. Ils devraient commencer par une lettre et peuvent ensuite contenir des chiffres, des lettres ou le caractère souligné (également appelé </a:t>
             </a:r>
             <a:r>
               <a:rPr lang="fr-FR" dirty="0" err="1" smtClean="0"/>
@@ -3681,23 +3657,7 @@
             </a:pPr>
             <a:r>
               <a:rPr lang="fr-FR" dirty="0" smtClean="0"/>
-              <a:t>Mettre des noms de variables </a:t>
-            </a:r>
-            <a:r>
-              <a:rPr lang="fr-FR" dirty="0" smtClean="0"/>
-              <a:t>parlants </a:t>
-            </a:r>
-            <a:r>
-              <a:rPr lang="fr-FR" dirty="0" smtClean="0"/>
-              <a:t>(Le JavaScript étant non typé, </a:t>
-            </a:r>
-            <a:r>
-              <a:rPr lang="fr-FR" dirty="0" smtClean="0"/>
-              <a:t>il y a la possibilité </a:t>
-            </a:r>
-            <a:r>
-              <a:rPr lang="fr-FR" dirty="0" smtClean="0"/>
-              <a:t>d’ajouter le type dans le nom)</a:t>
+              <a:t>Mettre des noms de variables parlants (Le JavaScript étant non typé, il y a la possibilité d’ajouter le type dans le nom)</a:t>
             </a:r>
           </a:p>
           <a:p>
@@ -3811,11 +3771,7 @@
             </a:pPr>
             <a:r>
               <a:rPr lang="fr-FR" dirty="0" smtClean="0"/>
-              <a:t>Déclaration </a:t>
-            </a:r>
-            <a:r>
-              <a:rPr lang="fr-FR" dirty="0" smtClean="0"/>
-              <a:t>des variables: var, let, </a:t>
+              <a:t>Déclaration des variables: var, let, </a:t>
             </a:r>
             <a:r>
               <a:rPr lang="fr-FR" dirty="0" err="1" smtClean="0"/>
@@ -3830,23 +3786,7 @@
             <a:pPr algn="just"/>
             <a:r>
               <a:rPr lang="fr-FR" dirty="0" smtClean="0"/>
-              <a:t>var: a une porté globale ou de fonction. A </a:t>
-            </a:r>
-            <a:r>
-              <a:rPr lang="fr-FR" dirty="0" smtClean="0"/>
-              <a:t>éviter car </a:t>
-            </a:r>
-            <a:r>
-              <a:rPr lang="fr-FR" dirty="0" smtClean="0"/>
-              <a:t>remplacé par </a:t>
-            </a:r>
-            <a:r>
-              <a:rPr lang="fr-FR" dirty="0" smtClean="0"/>
-              <a:t>« let » </a:t>
-            </a:r>
-            <a:r>
-              <a:rPr lang="fr-FR" dirty="0" smtClean="0"/>
-              <a:t>plus généraliste</a:t>
+              <a:t>var: a une porté globale ou de fonction. A éviter car remplacé par « let » plus généraliste</a:t>
             </a:r>
           </a:p>
           <a:p>
@@ -3868,13 +3808,8 @@
           <a:p>
             <a:r>
               <a:rPr lang="fr-FR" dirty="0" smtClean="0"/>
-              <a:t>Ne rien mettre: équivalent à </a:t>
-            </a:r>
-            <a:r>
-              <a:rPr lang="fr-FR" dirty="0" smtClean="0"/>
-              <a:t>var, à proscrire…</a:t>
-            </a:r>
-            <a:endParaRPr lang="fr-FR" dirty="0" smtClean="0"/>
+              <a:t>Ne rien mettre: équivalent à var, à proscrire…</a:t>
+            </a:r>
           </a:p>
           <a:p>
             <a:pPr marL="0" indent="0" algn="just">
@@ -4243,15 +4178,7 @@
             </a:pPr>
             <a:r>
               <a:rPr lang="fr-FR" dirty="0" smtClean="0"/>
-              <a:t>Le code source de la </a:t>
-            </a:r>
-            <a:r>
-              <a:rPr lang="fr-FR" dirty="0" smtClean="0"/>
-              <a:t>page HTML </a:t>
-            </a:r>
-            <a:r>
-              <a:rPr lang="fr-FR" dirty="0" smtClean="0"/>
-              <a:t>est affichable dans le navigateur (généralement clic droit + voir sources)</a:t>
+              <a:t>Le code source de la page HTML est affichable dans le navigateur (généralement clic droit + voir sources)</a:t>
             </a:r>
           </a:p>
           <a:p>
@@ -4278,15 +4205,7 @@
             </a:pPr>
             <a:r>
               <a:rPr lang="fr-FR" dirty="0" smtClean="0"/>
-              <a:t>Des éditeurs plus sophistiqués comme Eclipse et Visual Studio Code indiquent les erreurs de syntaxe dès l’écriture et peuvent être </a:t>
-            </a:r>
-            <a:r>
-              <a:rPr lang="fr-FR" dirty="0" smtClean="0"/>
-              <a:t>associés </a:t>
-            </a:r>
-            <a:r>
-              <a:rPr lang="fr-FR" dirty="0" smtClean="0"/>
-              <a:t>à un débuggeur, souvent celui de Chrome.</a:t>
+              <a:t>Des éditeurs plus sophistiqués comme Eclipse et Visual Studio Code indiquent les erreurs de syntaxe dès l’écriture et peuvent être associés à un débuggeur, souvent celui de Chrome.</a:t>
             </a:r>
           </a:p>
         </p:txBody>
@@ -4412,19 +4331,7 @@
             </a:r>
             <a:r>
               <a:rPr lang="fr-FR" dirty="0" smtClean="0"/>
-              <a:t> </a:t>
-            </a:r>
-            <a:r>
-              <a:rPr lang="fr-FR" dirty="0" smtClean="0"/>
-              <a:t>n. C’est l’équivalent d’une série de </a:t>
-            </a:r>
-            <a:r>
-              <a:rPr lang="fr-FR" dirty="0" smtClean="0"/>
-              <a:t>« if » </a:t>
-            </a:r>
-            <a:r>
-              <a:rPr lang="fr-FR" dirty="0" smtClean="0"/>
-              <a:t>en beaucoup plus lisible</a:t>
+              <a:t> n. C’est l’équivalent d’une série de « if » en beaucoup plus lisible</a:t>
             </a:r>
           </a:p>
           <a:p>
@@ -4543,15 +4450,7 @@
             </a:pPr>
             <a:r>
               <a:rPr lang="fr-FR" dirty="0" smtClean="0"/>
-              <a:t>Script: </a:t>
-            </a:r>
-            <a:r>
-              <a:rPr lang="fr-FR" dirty="0" smtClean="0"/>
-              <a:t>procedure.html</a:t>
-            </a:r>
-            <a:r>
-              <a:rPr lang="fr-FR" dirty="0" smtClean="0"/>
-              <a:t>, fonction1.html</a:t>
+              <a:t>Script: procedure.html, fonction1.html</a:t>
             </a:r>
             <a:endParaRPr lang="fr-FR" dirty="0"/>
           </a:p>
@@ -5082,11 +4981,7 @@
             </a:r>
             <a:r>
               <a:rPr lang="fr-FR" dirty="0" smtClean="0"/>
-              <a:t>: </a:t>
-            </a:r>
-            <a:r>
-              <a:rPr lang="fr-FR" dirty="0" smtClean="0"/>
-              <a:t>arrête un </a:t>
+              <a:t>: arrête un </a:t>
             </a:r>
             <a:r>
               <a:rPr lang="fr-FR" dirty="0" err="1" smtClean="0"/>
@@ -5100,15 +4995,7 @@
             </a:pPr>
             <a:r>
               <a:rPr lang="fr-FR" dirty="0" smtClean="0"/>
-              <a:t>PS: la fonction </a:t>
-            </a:r>
-            <a:r>
-              <a:rPr lang="fr-FR" dirty="0" smtClean="0"/>
-              <a:t>exécutée </a:t>
-            </a:r>
-            <a:r>
-              <a:rPr lang="fr-FR" dirty="0" smtClean="0"/>
-              <a:t>est une fonction de callback…</a:t>
+              <a:t>PS: la fonction exécutée est une fonction de callback…</a:t>
             </a:r>
           </a:p>
           <a:p>
@@ -5221,23 +5108,7 @@
             <a:pPr algn="just"/>
             <a:r>
               <a:rPr lang="fr-FR" dirty="0" smtClean="0"/>
-              <a:t>Ils </a:t>
-            </a:r>
-            <a:r>
-              <a:rPr lang="fr-FR" dirty="0" smtClean="0"/>
-              <a:t>permettent, </a:t>
-            </a:r>
-            <a:r>
-              <a:rPr lang="fr-FR" dirty="0" smtClean="0"/>
-              <a:t>malgré </a:t>
-            </a:r>
-            <a:r>
-              <a:rPr lang="fr-FR" dirty="0" smtClean="0"/>
-              <a:t>tout, </a:t>
-            </a:r>
-            <a:r>
-              <a:rPr lang="fr-FR" dirty="0" smtClean="0"/>
-              <a:t>une simplification de la syntaxe et de l’écriture souvent « </a:t>
+              <a:t>Ils permettent, malgré tout, une simplification de la syntaxe et de l’écriture souvent « </a:t>
             </a:r>
             <a:r>
               <a:rPr lang="fr-FR" dirty="0" err="1" smtClean="0"/>
@@ -5376,7 +5247,6 @@
               <a:rPr lang="fr-FR" dirty="0" smtClean="0"/>
               <a:t>dimensions…)</a:t>
             </a:r>
-            <a:endParaRPr lang="fr-FR" dirty="0" smtClean="0"/>
           </a:p>
           <a:p>
             <a:pPr marL="0" indent="0">
@@ -5839,23 +5709,7 @@
             <a:pPr algn="just"/>
             <a:r>
               <a:rPr lang="fr-FR" dirty="0" smtClean="0"/>
-              <a:t>Il ne </a:t>
-            </a:r>
-            <a:r>
-              <a:rPr lang="fr-FR" dirty="0" smtClean="0"/>
-              <a:t>peut, </a:t>
-            </a:r>
-            <a:r>
-              <a:rPr lang="fr-FR" dirty="0" smtClean="0"/>
-              <a:t>par </a:t>
-            </a:r>
-            <a:r>
-              <a:rPr lang="fr-FR" dirty="0" smtClean="0"/>
-              <a:t>contre, </a:t>
-            </a:r>
-            <a:r>
-              <a:rPr lang="fr-FR" dirty="0" smtClean="0"/>
-              <a:t>pas modifier dynamiquement le CSS</a:t>
+              <a:t>Il ne peut, par contre, pas modifier dynamiquement le CSS</a:t>
             </a:r>
           </a:p>
           <a:p>
@@ -6036,15 +5890,7 @@
             <a:pPr algn="just"/>
             <a:r>
               <a:rPr lang="fr-FR" dirty="0" smtClean="0"/>
-              <a:t>Ils sont toutefois de plus en plus </a:t>
-            </a:r>
-            <a:r>
-              <a:rPr lang="fr-FR" dirty="0" smtClean="0"/>
-              <a:t>remplacés </a:t>
-            </a:r>
-            <a:r>
-              <a:rPr lang="fr-FR" dirty="0" smtClean="0"/>
-              <a:t>par des applications mono-pages gérées en JavaScript via parfois de gros Framework comme </a:t>
+              <a:t>Ils sont toutefois de plus en plus remplacés par des applications mono-pages gérées en JavaScript via parfois de gros Framework comme </a:t>
             </a:r>
             <a:r>
               <a:rPr lang="fr-FR" dirty="0" err="1" smtClean="0"/>
@@ -6054,21 +5900,12 @@
               <a:rPr lang="fr-FR" dirty="0" smtClean="0"/>
               <a:t>.</a:t>
             </a:r>
-            <a:endParaRPr lang="fr-FR" dirty="0" smtClean="0"/>
           </a:p>
           <a:p>
             <a:pPr algn="just"/>
             <a:r>
               <a:rPr lang="fr-FR" dirty="0" smtClean="0"/>
-              <a:t>Au niveau des formulaires, le JavaScript peut contrôler ce qui est envoyé. Ce contrôle au niveau client est beaucoup plus </a:t>
-            </a:r>
-            <a:r>
-              <a:rPr lang="fr-FR" dirty="0" smtClean="0"/>
-              <a:t>rapide, mais moins complet </a:t>
-            </a:r>
-            <a:r>
-              <a:rPr lang="fr-FR" dirty="0" smtClean="0"/>
-              <a:t>qu’un contrôle au niveau du serveur.</a:t>
+              <a:t>Au niveau des formulaires, le JavaScript peut contrôler ce qui est envoyé. Ce contrôle au niveau client est beaucoup plus rapide, mais moins complet qu’un contrôle au niveau du serveur.</a:t>
             </a:r>
           </a:p>
           <a:p>
@@ -6164,39 +6001,7 @@
             <a:pPr algn="just"/>
             <a:r>
               <a:rPr lang="fr-FR" dirty="0" smtClean="0"/>
-              <a:t>Les cookies permettent de mémoriser quelques informations sur les données </a:t>
-            </a:r>
-            <a:r>
-              <a:rPr lang="fr-FR" dirty="0" smtClean="0"/>
-              <a:t>saisies, le plus souvent </a:t>
-            </a:r>
-            <a:r>
-              <a:rPr lang="fr-FR" dirty="0" smtClean="0"/>
-              <a:t>dans des formulaires. Il simplifie l’utilisation des sites en évitant une ressaisie des informations. Cette mémorisation </a:t>
-            </a:r>
-            <a:r>
-              <a:rPr lang="fr-FR" dirty="0" smtClean="0"/>
-              <a:t>d’informations, </a:t>
-            </a:r>
-            <a:r>
-              <a:rPr lang="fr-FR" dirty="0" smtClean="0"/>
-              <a:t>qui peuvent être </a:t>
-            </a:r>
-            <a:r>
-              <a:rPr lang="fr-FR" dirty="0" smtClean="0"/>
-              <a:t>sensible, </a:t>
-            </a:r>
-            <a:r>
-              <a:rPr lang="fr-FR" dirty="0" smtClean="0"/>
-              <a:t>(n° de carte de crédit par exemple) est </a:t>
-            </a:r>
-            <a:r>
-              <a:rPr lang="fr-FR" dirty="0" smtClean="0"/>
-              <a:t>potentiellement un </a:t>
-            </a:r>
-            <a:r>
-              <a:rPr lang="fr-FR" dirty="0" smtClean="0"/>
-              <a:t>risque pour la sécurité.</a:t>
+              <a:t>Les cookies permettent de mémoriser quelques informations sur les données saisies, le plus souvent dans des formulaires. Il simplifie l’utilisation des sites en évitant une ressaisie des informations. Cette mémorisation d’informations, qui peuvent être sensible, (n° de carte de crédit par exemple) est potentiellement un risque pour la sécurité.</a:t>
             </a:r>
           </a:p>
           <a:p>
@@ -6301,15 +6106,7 @@
             <a:pPr algn="just"/>
             <a:r>
               <a:rPr lang="fr-FR" dirty="0" smtClean="0"/>
-              <a:t>Pour des raisons de sécurité, JavaScript n’a pas accès aux fichiers de l’ordinateur sur lequel il s’exécute. Toutefois, il est possible de stocker des informations de manière </a:t>
-            </a:r>
-            <a:r>
-              <a:rPr lang="fr-FR" dirty="0" smtClean="0"/>
-              <a:t>sécurisée. </a:t>
-            </a:r>
-            <a:r>
-              <a:rPr lang="fr-FR" dirty="0" smtClean="0"/>
-              <a:t>Ces informations ont un volume maximum de 5 Mo et ne sont lisibles que par le navigateur sur la machine qui les a écrits. </a:t>
+              <a:t>Pour des raisons de sécurité, JavaScript n’a pas accès aux fichiers de l’ordinateur sur lequel il s’exécute. Toutefois, il est possible de stocker des informations de manière sécurisée. Ces informations ont un volume maximum de 5 Mo et ne sont lisibles que par le navigateur sur la machine qui les a écrits. </a:t>
             </a:r>
           </a:p>
           <a:p>
@@ -6453,15 +6250,7 @@
             <a:pPr algn="just"/>
             <a:r>
               <a:rPr lang="fr-FR" dirty="0" smtClean="0"/>
-              <a:t>Son pilotage par le </a:t>
-            </a:r>
-            <a:r>
-              <a:rPr lang="fr-FR" dirty="0" smtClean="0"/>
-              <a:t>JavaScript est obligatoire et </a:t>
-            </a:r>
-            <a:r>
-              <a:rPr lang="fr-FR" dirty="0" smtClean="0"/>
-              <a:t>permet de faire des graphiques dynamiques très facilement.</a:t>
+              <a:t>Son pilotage par le JavaScript est obligatoire et permet de faire des graphiques dynamiques très facilement.</a:t>
             </a:r>
           </a:p>
           <a:p>
@@ -6604,15 +6393,7 @@
             </a:pPr>
             <a:r>
               <a:rPr lang="fr-FR" sz="2800" dirty="0" smtClean="0"/>
-              <a:t>A l’époque, Netscape et Sun étaient associés, Sun envisageait que JavaScript serait un sous ensemble de Java pour rendre les pages Web plus dynamiques. C’est pour cela que le langage s’appel </a:t>
-            </a:r>
-            <a:r>
-              <a:rPr lang="fr-FR" sz="2800" dirty="0" smtClean="0"/>
-              <a:t>JavaScript, </a:t>
-            </a:r>
-            <a:r>
-              <a:rPr lang="fr-FR" sz="2800" dirty="0" smtClean="0"/>
-              <a:t>même s’il n’a rien à voir avec le Java sauf au niveau de la syntaxe.</a:t>
+              <a:t>A l’époque, Netscape et Sun étaient associés, Sun envisageait que JavaScript serait un sous ensemble de Java pour rendre les pages Web plus dynamiques. C’est pour cela que le langage s’appel JavaScript, même s’il n’a rien à voir avec le Java sauf au niveau de la syntaxe.</a:t>
             </a:r>
           </a:p>
           <a:p>
@@ -6737,15 +6518,7 @@
             </a:pPr>
             <a:r>
               <a:rPr lang="fr-FR" dirty="0" smtClean="0"/>
-              <a:t>Les plus </a:t>
-            </a:r>
-            <a:r>
-              <a:rPr lang="fr-FR" dirty="0" smtClean="0"/>
-              <a:t>connues </a:t>
-            </a:r>
-            <a:r>
-              <a:rPr lang="fr-FR" dirty="0" smtClean="0"/>
-              <a:t>sont</a:t>
+              <a:t>Les plus connues sont</a:t>
             </a:r>
           </a:p>
           <a:p>
@@ -6756,15 +6529,7 @@
             </a:r>
             <a:r>
               <a:rPr lang="fr-FR" dirty="0" smtClean="0"/>
-              <a:t>: C’est le module CSS de </a:t>
-            </a:r>
-            <a:r>
-              <a:rPr lang="fr-FR" dirty="0" smtClean="0"/>
-              <a:t>twitter. Il </a:t>
-            </a:r>
-            <a:r>
-              <a:rPr lang="fr-FR" dirty="0" smtClean="0"/>
-              <a:t>permet une grande diversité de mise en page sur différents appareils ainsi qu’une personnalisation poussée </a:t>
+              <a:t>: C’est le module CSS de twitter. Il permet une grande diversité de mise en page sur différents appareils ainsi qu’une personnalisation poussée </a:t>
             </a:r>
             <a:r>
               <a:rPr lang="fr-FR" dirty="0"/>
@@ -6802,15 +6567,7 @@
             </a:r>
             <a:r>
               <a:rPr lang="fr-FR" dirty="0" smtClean="0"/>
-              <a:t>: </a:t>
-            </a:r>
-            <a:r>
-              <a:rPr lang="fr-FR" dirty="0" smtClean="0"/>
-              <a:t>Développée </a:t>
-            </a:r>
-            <a:r>
-              <a:rPr lang="fr-FR" dirty="0" smtClean="0"/>
-              <a:t>par John </a:t>
+              <a:t>: Développée par John </a:t>
             </a:r>
             <a:r>
               <a:rPr lang="fr-FR" dirty="0" err="1" smtClean="0"/>
@@ -6818,15 +6575,7 @@
             </a:r>
             <a:r>
               <a:rPr lang="fr-FR" dirty="0" smtClean="0"/>
-              <a:t>. C</a:t>
-            </a:r>
-            <a:r>
-              <a:rPr lang="fr-FR" dirty="0" smtClean="0"/>
-              <a:t>ette </a:t>
-            </a:r>
-            <a:r>
-              <a:rPr lang="fr-FR" dirty="0" smtClean="0"/>
-              <a:t>librairie apporte une simplification de l’écriture du JavaScript ainsi qu’un grand nombre de </a:t>
+              <a:t>. Cette librairie apporte une simplification de l’écriture du JavaScript ainsi qu’un grand nombre de </a:t>
             </a:r>
             <a:r>
               <a:rPr lang="fr-FR" dirty="0"/>
@@ -6953,15 +6702,7 @@
             <a:pPr algn="just"/>
             <a:r>
               <a:rPr lang="fr-FR" dirty="0" smtClean="0"/>
-              <a:t>Depuis 2009, le JavaScript n’est plus cantonné </a:t>
-            </a:r>
-            <a:r>
-              <a:rPr lang="fr-FR" dirty="0" smtClean="0"/>
-              <a:t>aux navigateurs </a:t>
-            </a:r>
-            <a:r>
-              <a:rPr lang="fr-FR" dirty="0" smtClean="0"/>
-              <a:t>et donc au coté client. Plusieurs </a:t>
+              <a:t>Depuis 2009, le JavaScript n’est plus cantonné aux navigateurs et donc au coté client. Plusieurs </a:t>
             </a:r>
             <a:r>
               <a:rPr lang="fr-FR" dirty="0" err="1" smtClean="0"/>
@@ -6980,13 +6721,8 @@
             </a:r>
             <a:r>
               <a:rPr lang="fr-FR" dirty="0" smtClean="0"/>
-              <a:t> sort une évolution de JavaScript tous les ans au mois de </a:t>
-            </a:r>
-            <a:r>
-              <a:rPr lang="fr-FR" dirty="0" smtClean="0"/>
-              <a:t>juin avec de nouvelles fonctions.</a:t>
-            </a:r>
-            <a:endParaRPr lang="fr-FR" dirty="0" smtClean="0"/>
+              <a:t> sort une évolution de JavaScript tous les ans au mois de juin avec de nouvelles fonctions.</a:t>
+            </a:r>
           </a:p>
           <a:p>
             <a:pPr algn="just"/>
@@ -7000,27 +6736,15 @@
             </a:r>
             <a:r>
               <a:rPr lang="fr-FR" dirty="0" smtClean="0"/>
-              <a:t> est une surcouche </a:t>
-            </a:r>
-            <a:r>
-              <a:rPr lang="fr-FR" dirty="0" smtClean="0"/>
-              <a:t>au</a:t>
-            </a:r>
-            <a:r>
-              <a:rPr lang="fr-FR" dirty="0" smtClean="0"/>
-              <a:t> JavaScript. </a:t>
-            </a:r>
-            <a:r>
-              <a:rPr lang="fr-FR" dirty="0" smtClean="0"/>
-              <a:t>Elle</a:t>
-            </a:r>
-            <a:r>
-              <a:rPr lang="fr-FR" dirty="0" smtClean="0"/>
-              <a:t> </a:t>
-            </a:r>
-            <a:r>
-              <a:rPr lang="fr-FR" dirty="0" smtClean="0"/>
-              <a:t>ajoute principalement un typage fort des variables.</a:t>
+              <a:t> est une surcouche au JavaScript. </a:t>
+            </a:r>
+            <a:r>
+              <a:rPr lang="fr-FR" smtClean="0"/>
+              <a:t>Il ajoute </a:t>
+            </a:r>
+            <a:r>
+              <a:rPr lang="fr-FR" dirty="0" smtClean="0"/>
+              <a:t>principalement un typage fort des variables.</a:t>
             </a:r>
             <a:endParaRPr lang="fr-FR" dirty="0"/>
           </a:p>
@@ -7495,23 +7219,7 @@
             </a:r>
             <a:r>
               <a:rPr lang="fr-FR" dirty="0" smtClean="0"/>
-              <a:t> permettent la coloration </a:t>
-            </a:r>
-            <a:r>
-              <a:rPr lang="fr-FR" dirty="0" smtClean="0"/>
-              <a:t>syntaxique. Les </a:t>
-            </a:r>
-            <a:r>
-              <a:rPr lang="fr-FR" dirty="0" smtClean="0"/>
-              <a:t>éditeurs plus lourds </a:t>
-            </a:r>
-            <a:r>
-              <a:rPr lang="fr-FR" dirty="0" smtClean="0"/>
-              <a:t>tels </a:t>
-            </a:r>
-            <a:r>
-              <a:rPr lang="fr-FR" dirty="0" smtClean="0"/>
-              <a:t>que Eclipse et Visual Studio Code indiquent directement les erreurs de syntaxe et permettent le débogage au prix d’un paramétrage assez compliqué.</a:t>
+              <a:t> permettent la coloration syntaxique. Les éditeurs plus lourds tels que Eclipse et Visual Studio Code indiquent directement les erreurs de syntaxe et permettent le débogage au prix d’un paramétrage assez compliqué.</a:t>
             </a:r>
             <a:endParaRPr lang="fr-FR" dirty="0"/>
           </a:p>
@@ -7614,15 +7322,7 @@
             </a:br>
             <a:r>
               <a:rPr lang="fr-FR" dirty="0" smtClean="0"/>
-              <a:t>       </a:t>
-            </a:r>
-            <a:r>
-              <a:rPr lang="fr-FR" dirty="0" smtClean="0"/>
-              <a:t>Affichage </a:t>
-            </a:r>
-            <a:r>
-              <a:rPr lang="fr-FR" dirty="0" smtClean="0"/>
-              <a:t>et traitements sur la page HTML</a:t>
+              <a:t>       Affichage et traitements sur la page HTML</a:t>
             </a:r>
             <a:br>
               <a:rPr lang="fr-FR" dirty="0" smtClean="0"/>
@@ -8026,11 +7726,7 @@
             </a:pPr>
             <a:r>
               <a:rPr lang="fr-FR" dirty="0" smtClean="0"/>
-              <a:t>Attention: chaque navigateur et chaque version de ces navigateurs embarquent une version d’un interpréteur </a:t>
-            </a:r>
-            <a:r>
-              <a:rPr lang="fr-FR" dirty="0" smtClean="0"/>
-              <a:t>JavaScript.</a:t>
+              <a:t>Attention: chaque navigateur et chaque version de ces navigateurs embarquent une version d’un interpréteur JavaScript.</a:t>
             </a:r>
           </a:p>
           <a:p>
@@ -8039,19 +7735,7 @@
             </a:pPr>
             <a:r>
               <a:rPr lang="fr-FR" dirty="0" smtClean="0"/>
-              <a:t>Donc</a:t>
-            </a:r>
-            <a:r>
-              <a:rPr lang="fr-FR" dirty="0" smtClean="0"/>
-              <a:t>, tous les scripts ne tournent pas sur tous les navigateurs et s’ils tournent, n’ont pas toujours les mêmes comportements</a:t>
-            </a:r>
-            <a:r>
-              <a:rPr lang="fr-FR" dirty="0" smtClean="0"/>
-              <a:t>.</a:t>
-            </a:r>
-            <a:r>
-              <a:rPr lang="fr-FR" dirty="0" smtClean="0"/>
-              <a:t/>
+              <a:t>Donc, tous les scripts ne tournent pas sur tous les navigateurs et s’ils tournent, n’ont pas toujours les mêmes comportements.</a:t>
             </a:r>
             <a:br>
               <a:rPr lang="fr-FR" dirty="0" smtClean="0"/>
@@ -8067,15 +7751,7 @@
             </a:pPr>
             <a:r>
               <a:rPr lang="fr-FR" dirty="0" smtClean="0"/>
-              <a:t>On peut avoir une </a:t>
-            </a:r>
-            <a:r>
-              <a:rPr lang="fr-FR" dirty="0" smtClean="0"/>
-              <a:t>idée </a:t>
-            </a:r>
-            <a:r>
-              <a:rPr lang="fr-FR" dirty="0" smtClean="0"/>
-              <a:t>des fonctionnalités disponibles sur le site</a:t>
+              <a:t>On peut avoir une idée des fonctionnalités disponibles sur le site</a:t>
             </a:r>
           </a:p>
           <a:p>
@@ -8199,15 +7875,7 @@
             <a:pPr algn="just"/>
             <a:r>
               <a:rPr lang="fr-FR" dirty="0" smtClean="0"/>
-              <a:t>De nos jours, cette désactivation est de plus en plus </a:t>
-            </a:r>
-            <a:r>
-              <a:rPr lang="fr-FR" dirty="0" smtClean="0"/>
-              <a:t>rare, </a:t>
-            </a:r>
-            <a:r>
-              <a:rPr lang="fr-FR" dirty="0" smtClean="0"/>
-              <a:t>car elle empêche le fonctionnement correct de la plupart des sites. </a:t>
+              <a:t>De nos jours, cette désactivation est de plus en plus rare, car elle empêche le fonctionnement correct de la plupart des sites. </a:t>
             </a:r>
             <a:endParaRPr lang="fr-FR" dirty="0"/>
           </a:p>

--- a/javascript.pptx
+++ b/javascript.pptx
@@ -137,7 +137,7 @@
   </p:defaultTextStyle>
   <p:extLst>
     <p:ext uri="{EFAFB233-063F-42B5-8137-9DF3F51BA10A}">
-      <p15:sldGuideLst xmlns:p15="http://schemas.microsoft.com/office/powerpoint/2012/main" xmlns="">
+      <p15:sldGuideLst xmlns="" xmlns:p15="http://schemas.microsoft.com/office/powerpoint/2012/main">
         <p15:guide id="1" orient="horz" pos="2160">
           <p15:clr>
             <a:srgbClr val="A4A3A4"/>
@@ -335,7 +335,7 @@
           <a:p>
             <a:fld id="{AA309A6D-C09C-4548-B29A-6CF363A7E532}" type="datetimeFigureOut">
               <a:rPr lang="fr-FR" smtClean="0"/>
-              <a:t>12/09/2018</a:t>
+              <a:t>13/09/2018</a:t>
             </a:fld>
             <a:endParaRPr lang="fr-BE"/>
           </a:p>
@@ -500,7 +500,7 @@
           <a:p>
             <a:fld id="{AA309A6D-C09C-4548-B29A-6CF363A7E532}" type="datetimeFigureOut">
               <a:rPr lang="fr-FR" smtClean="0"/>
-              <a:t>12/09/2018</a:t>
+              <a:t>13/09/2018</a:t>
             </a:fld>
             <a:endParaRPr lang="fr-BE"/>
           </a:p>
@@ -675,7 +675,7 @@
           <a:p>
             <a:fld id="{AA309A6D-C09C-4548-B29A-6CF363A7E532}" type="datetimeFigureOut">
               <a:rPr lang="fr-FR" smtClean="0"/>
-              <a:t>12/09/2018</a:t>
+              <a:t>13/09/2018</a:t>
             </a:fld>
             <a:endParaRPr lang="fr-BE"/>
           </a:p>
@@ -840,7 +840,7 @@
           <a:p>
             <a:fld id="{AA309A6D-C09C-4548-B29A-6CF363A7E532}" type="datetimeFigureOut">
               <a:rPr lang="fr-FR" smtClean="0"/>
-              <a:t>12/09/2018</a:t>
+              <a:t>13/09/2018</a:t>
             </a:fld>
             <a:endParaRPr lang="fr-BE"/>
           </a:p>
@@ -1081,7 +1081,7 @@
           <a:p>
             <a:fld id="{AA309A6D-C09C-4548-B29A-6CF363A7E532}" type="datetimeFigureOut">
               <a:rPr lang="fr-FR" smtClean="0"/>
-              <a:t>12/09/2018</a:t>
+              <a:t>13/09/2018</a:t>
             </a:fld>
             <a:endParaRPr lang="fr-BE"/>
           </a:p>
@@ -1364,7 +1364,7 @@
           <a:p>
             <a:fld id="{AA309A6D-C09C-4548-B29A-6CF363A7E532}" type="datetimeFigureOut">
               <a:rPr lang="fr-FR" smtClean="0"/>
-              <a:t>12/09/2018</a:t>
+              <a:t>13/09/2018</a:t>
             </a:fld>
             <a:endParaRPr lang="fr-BE"/>
           </a:p>
@@ -1781,7 +1781,7 @@
           <a:p>
             <a:fld id="{AA309A6D-C09C-4548-B29A-6CF363A7E532}" type="datetimeFigureOut">
               <a:rPr lang="fr-FR" smtClean="0"/>
-              <a:t>12/09/2018</a:t>
+              <a:t>13/09/2018</a:t>
             </a:fld>
             <a:endParaRPr lang="fr-BE"/>
           </a:p>
@@ -1894,7 +1894,7 @@
           <a:p>
             <a:fld id="{AA309A6D-C09C-4548-B29A-6CF363A7E532}" type="datetimeFigureOut">
               <a:rPr lang="fr-FR" smtClean="0"/>
-              <a:t>12/09/2018</a:t>
+              <a:t>13/09/2018</a:t>
             </a:fld>
             <a:endParaRPr lang="fr-BE"/>
           </a:p>
@@ -1984,7 +1984,7 @@
           <a:p>
             <a:fld id="{AA309A6D-C09C-4548-B29A-6CF363A7E532}" type="datetimeFigureOut">
               <a:rPr lang="fr-FR" smtClean="0"/>
-              <a:t>12/09/2018</a:t>
+              <a:t>13/09/2018</a:t>
             </a:fld>
             <a:endParaRPr lang="fr-BE"/>
           </a:p>
@@ -2256,7 +2256,7 @@
           <a:p>
             <a:fld id="{AA309A6D-C09C-4548-B29A-6CF363A7E532}" type="datetimeFigureOut">
               <a:rPr lang="fr-FR" smtClean="0"/>
-              <a:t>12/09/2018</a:t>
+              <a:t>13/09/2018</a:t>
             </a:fld>
             <a:endParaRPr lang="fr-BE"/>
           </a:p>
@@ -2504,7 +2504,7 @@
           <a:p>
             <a:fld id="{AA309A6D-C09C-4548-B29A-6CF363A7E532}" type="datetimeFigureOut">
               <a:rPr lang="fr-FR" smtClean="0"/>
-              <a:t>12/09/2018</a:t>
+              <a:t>13/09/2018</a:t>
             </a:fld>
             <a:endParaRPr lang="fr-BE"/>
           </a:p>
@@ -2712,7 +2712,7 @@
           <a:p>
             <a:fld id="{AA309A6D-C09C-4548-B29A-6CF363A7E532}" type="datetimeFigureOut">
               <a:rPr lang="fr-FR" smtClean="0"/>
-              <a:t>12/09/2018</a:t>
+              <a:t>13/09/2018</a:t>
             </a:fld>
             <a:endParaRPr lang="fr-BE"/>
           </a:p>
@@ -7302,7 +7302,7 @@
         <p:spPr/>
         <p:txBody>
           <a:bodyPr>
-            <a:normAutofit lnSpcReduction="10000"/>
+            <a:normAutofit fontScale="92500"/>
           </a:bodyPr>
           <a:lstStyle/>
           <a:p>
@@ -7315,7 +7315,19 @@
           <a:p>
             <a:r>
               <a:rPr lang="fr-FR" dirty="0" smtClean="0"/>
-              <a:t>Ce que le JavaScript a le droit ou non de faire: </a:t>
+              <a:t>Ce que le JavaScript a le </a:t>
+            </a:r>
+            <a:r>
+              <a:rPr lang="fr-FR" smtClean="0"/>
+              <a:t>droit </a:t>
+            </a:r>
+            <a:r>
+              <a:rPr lang="fr-FR" smtClean="0"/>
+              <a:t>de faire… où pas… : </a:t>
+            </a:r>
+            <a:r>
+              <a:rPr lang="fr-FR" dirty="0" smtClean="0"/>
+              <a:t/>
             </a:r>
             <a:br>
               <a:rPr lang="fr-FR" dirty="0" smtClean="0"/>

--- a/javascript.pptx
+++ b/javascript.pptx
@@ -137,7 +137,7 @@
   </p:defaultTextStyle>
   <p:extLst>
     <p:ext uri="{EFAFB233-063F-42B5-8137-9DF3F51BA10A}">
-      <p15:sldGuideLst xmlns="" xmlns:p15="http://schemas.microsoft.com/office/powerpoint/2012/main">
+      <p15:sldGuideLst xmlns:p15="http://schemas.microsoft.com/office/powerpoint/2012/main" xmlns="">
         <p15:guide id="1" orient="horz" pos="2160">
           <p15:clr>
             <a:srgbClr val="A4A3A4"/>
@@ -335,7 +335,7 @@
           <a:p>
             <a:fld id="{AA309A6D-C09C-4548-B29A-6CF363A7E532}" type="datetimeFigureOut">
               <a:rPr lang="fr-FR" smtClean="0"/>
-              <a:t>13/09/2018</a:t>
+              <a:t>14/09/2018</a:t>
             </a:fld>
             <a:endParaRPr lang="fr-BE"/>
           </a:p>
@@ -500,7 +500,7 @@
           <a:p>
             <a:fld id="{AA309A6D-C09C-4548-B29A-6CF363A7E532}" type="datetimeFigureOut">
               <a:rPr lang="fr-FR" smtClean="0"/>
-              <a:t>13/09/2018</a:t>
+              <a:t>14/09/2018</a:t>
             </a:fld>
             <a:endParaRPr lang="fr-BE"/>
           </a:p>
@@ -675,7 +675,7 @@
           <a:p>
             <a:fld id="{AA309A6D-C09C-4548-B29A-6CF363A7E532}" type="datetimeFigureOut">
               <a:rPr lang="fr-FR" smtClean="0"/>
-              <a:t>13/09/2018</a:t>
+              <a:t>14/09/2018</a:t>
             </a:fld>
             <a:endParaRPr lang="fr-BE"/>
           </a:p>
@@ -840,7 +840,7 @@
           <a:p>
             <a:fld id="{AA309A6D-C09C-4548-B29A-6CF363A7E532}" type="datetimeFigureOut">
               <a:rPr lang="fr-FR" smtClean="0"/>
-              <a:t>13/09/2018</a:t>
+              <a:t>14/09/2018</a:t>
             </a:fld>
             <a:endParaRPr lang="fr-BE"/>
           </a:p>
@@ -1081,7 +1081,7 @@
           <a:p>
             <a:fld id="{AA309A6D-C09C-4548-B29A-6CF363A7E532}" type="datetimeFigureOut">
               <a:rPr lang="fr-FR" smtClean="0"/>
-              <a:t>13/09/2018</a:t>
+              <a:t>14/09/2018</a:t>
             </a:fld>
             <a:endParaRPr lang="fr-BE"/>
           </a:p>
@@ -1364,7 +1364,7 @@
           <a:p>
             <a:fld id="{AA309A6D-C09C-4548-B29A-6CF363A7E532}" type="datetimeFigureOut">
               <a:rPr lang="fr-FR" smtClean="0"/>
-              <a:t>13/09/2018</a:t>
+              <a:t>14/09/2018</a:t>
             </a:fld>
             <a:endParaRPr lang="fr-BE"/>
           </a:p>
@@ -1781,7 +1781,7 @@
           <a:p>
             <a:fld id="{AA309A6D-C09C-4548-B29A-6CF363A7E532}" type="datetimeFigureOut">
               <a:rPr lang="fr-FR" smtClean="0"/>
-              <a:t>13/09/2018</a:t>
+              <a:t>14/09/2018</a:t>
             </a:fld>
             <a:endParaRPr lang="fr-BE"/>
           </a:p>
@@ -1894,7 +1894,7 @@
           <a:p>
             <a:fld id="{AA309A6D-C09C-4548-B29A-6CF363A7E532}" type="datetimeFigureOut">
               <a:rPr lang="fr-FR" smtClean="0"/>
-              <a:t>13/09/2018</a:t>
+              <a:t>14/09/2018</a:t>
             </a:fld>
             <a:endParaRPr lang="fr-BE"/>
           </a:p>
@@ -1984,7 +1984,7 @@
           <a:p>
             <a:fld id="{AA309A6D-C09C-4548-B29A-6CF363A7E532}" type="datetimeFigureOut">
               <a:rPr lang="fr-FR" smtClean="0"/>
-              <a:t>13/09/2018</a:t>
+              <a:t>14/09/2018</a:t>
             </a:fld>
             <a:endParaRPr lang="fr-BE"/>
           </a:p>
@@ -2256,7 +2256,7 @@
           <a:p>
             <a:fld id="{AA309A6D-C09C-4548-B29A-6CF363A7E532}" type="datetimeFigureOut">
               <a:rPr lang="fr-FR" smtClean="0"/>
-              <a:t>13/09/2018</a:t>
+              <a:t>14/09/2018</a:t>
             </a:fld>
             <a:endParaRPr lang="fr-BE"/>
           </a:p>
@@ -2504,7 +2504,7 @@
           <a:p>
             <a:fld id="{AA309A6D-C09C-4548-B29A-6CF363A7E532}" type="datetimeFigureOut">
               <a:rPr lang="fr-FR" smtClean="0"/>
-              <a:t>13/09/2018</a:t>
+              <a:t>14/09/2018</a:t>
             </a:fld>
             <a:endParaRPr lang="fr-BE"/>
           </a:p>
@@ -2712,7 +2712,7 @@
           <a:p>
             <a:fld id="{AA309A6D-C09C-4548-B29A-6CF363A7E532}" type="datetimeFigureOut">
               <a:rPr lang="fr-FR" smtClean="0"/>
-              <a:t>13/09/2018</a:t>
+              <a:t>14/09/2018</a:t>
             </a:fld>
             <a:endParaRPr lang="fr-BE"/>
           </a:p>
@@ -4323,15 +4323,19 @@
             <a:pPr algn="just"/>
             <a:r>
               <a:rPr lang="fr-FR" dirty="0" smtClean="0"/>
-              <a:t>switch: permet de faire un traitement en fonction d’une valeur </a:t>
-            </a:r>
-            <a:r>
-              <a:rPr lang="fr-FR" dirty="0" err="1" smtClean="0"/>
-              <a:t>parmie</a:t>
-            </a:r>
-            <a:r>
-              <a:rPr lang="fr-FR" dirty="0" smtClean="0"/>
-              <a:t> n. C’est l’équivalent d’une série de « if » en beaucoup plus lisible</a:t>
+              <a:t>switch: permet de faire un traitement en fonction d’une </a:t>
+            </a:r>
+            <a:r>
+              <a:rPr lang="fr-FR" smtClean="0"/>
+              <a:t>valeur </a:t>
+            </a:r>
+            <a:r>
+              <a:rPr lang="fr-FR" smtClean="0"/>
+              <a:t>parmi </a:t>
+            </a:r>
+            <a:r>
+              <a:rPr lang="fr-FR" dirty="0" smtClean="0"/>
+              <a:t>n. C’est l’équivalent d’une série de « if » en beaucoup plus lisible</a:t>
             </a:r>
           </a:p>
           <a:p>
@@ -7319,11 +7323,7 @@
             </a:r>
             <a:r>
               <a:rPr lang="fr-FR" smtClean="0"/>
-              <a:t>droit </a:t>
-            </a:r>
-            <a:r>
-              <a:rPr lang="fr-FR" smtClean="0"/>
-              <a:t>de faire… où pas… : </a:t>
+              <a:t>droit de faire… où pas… : </a:t>
             </a:r>
             <a:r>
               <a:rPr lang="fr-FR" dirty="0" smtClean="0"/>
